--- a/analysis/plots/fig4.pptx
+++ b/analysis/plots/fig4.pptx
@@ -104,6 +104,11 @@
       </a:defRPr>
     </a:lvl9pPr>
   </p:defaultTextStyle>
+  <p:extLst>
+    <p:ext uri="{EFAFB233-063F-42B5-8137-9DF3F51BA10A}">
+      <p15:sldGuideLst xmlns:p15="http://schemas.microsoft.com/office/powerpoint/2012/main"/>
+    </p:ext>
+  </p:extLst>
 </p:presentation>
 </file>
 
@@ -238,7 +243,7 @@
           <a:p>
             <a:fld id="{BC6E9828-D5E3-F94A-8FD0-502DCA9B4680}" type="datetimeFigureOut">
               <a:rPr lang="en-US" smtClean="0"/>
-              <a:t>7/23/21</a:t>
+              <a:t>7/30/21</a:t>
             </a:fld>
             <a:endParaRPr lang="en-US"/>
           </a:p>
@@ -408,7 +413,7 @@
           <a:p>
             <a:fld id="{BC6E9828-D5E3-F94A-8FD0-502DCA9B4680}" type="datetimeFigureOut">
               <a:rPr lang="en-US" smtClean="0"/>
-              <a:t>7/23/21</a:t>
+              <a:t>7/30/21</a:t>
             </a:fld>
             <a:endParaRPr lang="en-US"/>
           </a:p>
@@ -588,7 +593,7 @@
           <a:p>
             <a:fld id="{BC6E9828-D5E3-F94A-8FD0-502DCA9B4680}" type="datetimeFigureOut">
               <a:rPr lang="en-US" smtClean="0"/>
-              <a:t>7/23/21</a:t>
+              <a:t>7/30/21</a:t>
             </a:fld>
             <a:endParaRPr lang="en-US"/>
           </a:p>
@@ -758,7 +763,7 @@
           <a:p>
             <a:fld id="{BC6E9828-D5E3-F94A-8FD0-502DCA9B4680}" type="datetimeFigureOut">
               <a:rPr lang="en-US" smtClean="0"/>
-              <a:t>7/23/21</a:t>
+              <a:t>7/30/21</a:t>
             </a:fld>
             <a:endParaRPr lang="en-US"/>
           </a:p>
@@ -1004,7 +1009,7 @@
           <a:p>
             <a:fld id="{BC6E9828-D5E3-F94A-8FD0-502DCA9B4680}" type="datetimeFigureOut">
               <a:rPr lang="en-US" smtClean="0"/>
-              <a:t>7/23/21</a:t>
+              <a:t>7/30/21</a:t>
             </a:fld>
             <a:endParaRPr lang="en-US"/>
           </a:p>
@@ -1236,7 +1241,7 @@
           <a:p>
             <a:fld id="{BC6E9828-D5E3-F94A-8FD0-502DCA9B4680}" type="datetimeFigureOut">
               <a:rPr lang="en-US" smtClean="0"/>
-              <a:t>7/23/21</a:t>
+              <a:t>7/30/21</a:t>
             </a:fld>
             <a:endParaRPr lang="en-US"/>
           </a:p>
@@ -1603,7 +1608,7 @@
           <a:p>
             <a:fld id="{BC6E9828-D5E3-F94A-8FD0-502DCA9B4680}" type="datetimeFigureOut">
               <a:rPr lang="en-US" smtClean="0"/>
-              <a:t>7/23/21</a:t>
+              <a:t>7/30/21</a:t>
             </a:fld>
             <a:endParaRPr lang="en-US"/>
           </a:p>
@@ -1721,7 +1726,7 @@
           <a:p>
             <a:fld id="{BC6E9828-D5E3-F94A-8FD0-502DCA9B4680}" type="datetimeFigureOut">
               <a:rPr lang="en-US" smtClean="0"/>
-              <a:t>7/23/21</a:t>
+              <a:t>7/30/21</a:t>
             </a:fld>
             <a:endParaRPr lang="en-US"/>
           </a:p>
@@ -1816,7 +1821,7 @@
           <a:p>
             <a:fld id="{BC6E9828-D5E3-F94A-8FD0-502DCA9B4680}" type="datetimeFigureOut">
               <a:rPr lang="en-US" smtClean="0"/>
-              <a:t>7/23/21</a:t>
+              <a:t>7/30/21</a:t>
             </a:fld>
             <a:endParaRPr lang="en-US"/>
           </a:p>
@@ -2093,7 +2098,7 @@
           <a:p>
             <a:fld id="{BC6E9828-D5E3-F94A-8FD0-502DCA9B4680}" type="datetimeFigureOut">
               <a:rPr lang="en-US" smtClean="0"/>
-              <a:t>7/23/21</a:t>
+              <a:t>7/30/21</a:t>
             </a:fld>
             <a:endParaRPr lang="en-US"/>
           </a:p>
@@ -2350,7 +2355,7 @@
           <a:p>
             <a:fld id="{BC6E9828-D5E3-F94A-8FD0-502DCA9B4680}" type="datetimeFigureOut">
               <a:rPr lang="en-US" smtClean="0"/>
-              <a:t>7/23/21</a:t>
+              <a:t>7/30/21</a:t>
             </a:fld>
             <a:endParaRPr lang="en-US"/>
           </a:p>
@@ -2563,7 +2568,7 @@
           <a:p>
             <a:fld id="{BC6E9828-D5E3-F94A-8FD0-502DCA9B4680}" type="datetimeFigureOut">
               <a:rPr lang="en-US" smtClean="0"/>
-              <a:t>7/23/21</a:t>
+              <a:t>7/30/21</a:t>
             </a:fld>
             <a:endParaRPr lang="en-US"/>
           </a:p>
@@ -3000,10 +3005,10 @@
       </p:pic>
       <p:pic>
         <p:nvPicPr>
-          <p:cNvPr id="7" name="Picture 6">
+          <p:cNvPr id="6" name="Picture 5">
             <a:extLst>
               <a:ext uri="{FF2B5EF4-FFF2-40B4-BE49-F238E27FC236}">
-                <a16:creationId xmlns:a16="http://schemas.microsoft.com/office/drawing/2014/main" id="{5138014D-55BD-5442-887B-7CA88974E234}"/>
+                <a16:creationId xmlns:a16="http://schemas.microsoft.com/office/drawing/2014/main" id="{B1C8E105-264C-7548-A90B-64ED831C8F61}"/>
               </a:ext>
             </a:extLst>
           </p:cNvPr>

--- a/analysis/plots/fig4.pptx
+++ b/analysis/plots/fig4.pptx
@@ -2,12 +2,12 @@
 <file path=ppt/presentation.xml><?xml version="1.0" encoding="utf-8"?>
 <p:presentation xmlns:a="http://schemas.openxmlformats.org/drawingml/2006/main" xmlns:r="http://schemas.openxmlformats.org/officeDocument/2006/relationships" xmlns:p="http://schemas.openxmlformats.org/presentationml/2006/main" saveSubsetFonts="1" autoCompressPictures="0">
   <p:sldMasterIdLst>
-    <p:sldMasterId id="2147483684" r:id="rId1"/>
+    <p:sldMasterId id="2147483720" r:id="rId1"/>
   </p:sldMasterIdLst>
   <p:sldIdLst>
     <p:sldId id="256" r:id="rId2"/>
   </p:sldIdLst>
-  <p:sldSz cx="11430000" cy="6858000"/>
+  <p:sldSz cx="14173200" cy="8686800"/>
   <p:notesSz cx="6858000" cy="9144000"/>
   <p:defaultTextStyle>
     <a:defPPr>
@@ -141,15 +141,15 @@
         </p:nvSpPr>
         <p:spPr>
           <a:xfrm>
-            <a:off x="1428750" y="1122363"/>
-            <a:ext cx="8572500" cy="2387600"/>
+            <a:off x="1771650" y="1421660"/>
+            <a:ext cx="10629900" cy="3024293"/>
           </a:xfrm>
         </p:spPr>
         <p:txBody>
           <a:bodyPr anchor="b"/>
           <a:lstStyle>
             <a:lvl1pPr algn="ctr">
-              <a:defRPr sz="5625"/>
+              <a:defRPr sz="6975"/>
             </a:lvl1pPr>
           </a:lstStyle>
           <a:p>
@@ -173,8 +173,8 @@
         </p:nvSpPr>
         <p:spPr>
           <a:xfrm>
-            <a:off x="1428750" y="3602038"/>
-            <a:ext cx="8572500" cy="1655762"/>
+            <a:off x="1771650" y="4562581"/>
+            <a:ext cx="10629900" cy="2097299"/>
           </a:xfrm>
         </p:spPr>
         <p:txBody>
@@ -182,39 +182,39 @@
           <a:lstStyle>
             <a:lvl1pPr marL="0" indent="0" algn="ctr">
               <a:buNone/>
-              <a:defRPr sz="2250"/>
+              <a:defRPr sz="2790"/>
             </a:lvl1pPr>
-            <a:lvl2pPr marL="428625" indent="0" algn="ctr">
-              <a:buNone/>
-              <a:defRPr sz="1875"/>
+            <a:lvl2pPr marL="531495" indent="0" algn="ctr">
+              <a:buNone/>
+              <a:defRPr sz="2325"/>
             </a:lvl2pPr>
-            <a:lvl3pPr marL="857250" indent="0" algn="ctr">
-              <a:buNone/>
-              <a:defRPr sz="1688"/>
+            <a:lvl3pPr marL="1062990" indent="0" algn="ctr">
+              <a:buNone/>
+              <a:defRPr sz="2093"/>
             </a:lvl3pPr>
-            <a:lvl4pPr marL="1285875" indent="0" algn="ctr">
-              <a:buNone/>
-              <a:defRPr sz="1500"/>
+            <a:lvl4pPr marL="1594485" indent="0" algn="ctr">
+              <a:buNone/>
+              <a:defRPr sz="1860"/>
             </a:lvl4pPr>
-            <a:lvl5pPr marL="1714500" indent="0" algn="ctr">
-              <a:buNone/>
-              <a:defRPr sz="1500"/>
+            <a:lvl5pPr marL="2125980" indent="0" algn="ctr">
+              <a:buNone/>
+              <a:defRPr sz="1860"/>
             </a:lvl5pPr>
-            <a:lvl6pPr marL="2143125" indent="0" algn="ctr">
-              <a:buNone/>
-              <a:defRPr sz="1500"/>
+            <a:lvl6pPr marL="2657475" indent="0" algn="ctr">
+              <a:buNone/>
+              <a:defRPr sz="1860"/>
             </a:lvl6pPr>
-            <a:lvl7pPr marL="2571750" indent="0" algn="ctr">
-              <a:buNone/>
-              <a:defRPr sz="1500"/>
+            <a:lvl7pPr marL="3188970" indent="0" algn="ctr">
+              <a:buNone/>
+              <a:defRPr sz="1860"/>
             </a:lvl7pPr>
-            <a:lvl8pPr marL="3000375" indent="0" algn="ctr">
-              <a:buNone/>
-              <a:defRPr sz="1500"/>
+            <a:lvl8pPr marL="3720465" indent="0" algn="ctr">
+              <a:buNone/>
+              <a:defRPr sz="1860"/>
             </a:lvl8pPr>
-            <a:lvl9pPr marL="3429000" indent="0" algn="ctr">
-              <a:buNone/>
-              <a:defRPr sz="1500"/>
+            <a:lvl9pPr marL="4251960" indent="0" algn="ctr">
+              <a:buNone/>
+              <a:defRPr sz="1860"/>
             </a:lvl9pPr>
           </a:lstStyle>
           <a:p>
@@ -241,7 +241,7 @@
           <a:bodyPr/>
           <a:lstStyle/>
           <a:p>
-            <a:fld id="{BC6E9828-D5E3-F94A-8FD0-502DCA9B4680}" type="datetimeFigureOut">
+            <a:fld id="{E3FF52FC-9330-DE4B-8604-B633724EED49}" type="datetimeFigureOut">
               <a:rPr lang="en-US" smtClean="0"/>
               <a:t>7/30/21</a:t>
             </a:fld>
@@ -283,7 +283,7 @@
           <a:bodyPr/>
           <a:lstStyle/>
           <a:p>
-            <a:fld id="{0D7FB7F8-E302-CF46-AF2A-95B364687512}" type="slidenum">
+            <a:fld id="{A47A2DBD-F520-A149-8F7B-224B0E075DBD}" type="slidenum">
               <a:rPr lang="en-US" smtClean="0"/>
               <a:t>‹#›</a:t>
             </a:fld>
@@ -294,7 +294,7 @@
     </p:spTree>
     <p:extLst>
       <p:ext uri="{BB962C8B-B14F-4D97-AF65-F5344CB8AC3E}">
-        <p14:creationId xmlns:p14="http://schemas.microsoft.com/office/powerpoint/2010/main" val="4055431596"/>
+        <p14:creationId xmlns:p14="http://schemas.microsoft.com/office/powerpoint/2010/main" val="530260257"/>
       </p:ext>
     </p:extLst>
   </p:cSld>
@@ -411,7 +411,7 @@
           <a:bodyPr/>
           <a:lstStyle/>
           <a:p>
-            <a:fld id="{BC6E9828-D5E3-F94A-8FD0-502DCA9B4680}" type="datetimeFigureOut">
+            <a:fld id="{E3FF52FC-9330-DE4B-8604-B633724EED49}" type="datetimeFigureOut">
               <a:rPr lang="en-US" smtClean="0"/>
               <a:t>7/30/21</a:t>
             </a:fld>
@@ -453,7 +453,7 @@
           <a:bodyPr/>
           <a:lstStyle/>
           <a:p>
-            <a:fld id="{0D7FB7F8-E302-CF46-AF2A-95B364687512}" type="slidenum">
+            <a:fld id="{A47A2DBD-F520-A149-8F7B-224B0E075DBD}" type="slidenum">
               <a:rPr lang="en-US" smtClean="0"/>
               <a:t>‹#›</a:t>
             </a:fld>
@@ -464,7 +464,7 @@
     </p:spTree>
     <p:extLst>
       <p:ext uri="{BB962C8B-B14F-4D97-AF65-F5344CB8AC3E}">
-        <p14:creationId xmlns:p14="http://schemas.microsoft.com/office/powerpoint/2010/main" val="3592912635"/>
+        <p14:creationId xmlns:p14="http://schemas.microsoft.com/office/powerpoint/2010/main" val="4114347452"/>
       </p:ext>
     </p:extLst>
   </p:cSld>
@@ -503,8 +503,8 @@
         </p:nvSpPr>
         <p:spPr>
           <a:xfrm>
-            <a:off x="8179594" y="365125"/>
-            <a:ext cx="2464594" cy="5811838"/>
+            <a:off x="10142696" y="462492"/>
+            <a:ext cx="3056096" cy="7361661"/>
           </a:xfrm>
         </p:spPr>
         <p:txBody>
@@ -531,8 +531,8 @@
         </p:nvSpPr>
         <p:spPr>
           <a:xfrm>
-            <a:off x="785813" y="365125"/>
-            <a:ext cx="7250906" cy="5811838"/>
+            <a:off x="974407" y="462492"/>
+            <a:ext cx="8991124" cy="7361661"/>
           </a:xfrm>
         </p:spPr>
         <p:txBody>
@@ -591,7 +591,7 @@
           <a:bodyPr/>
           <a:lstStyle/>
           <a:p>
-            <a:fld id="{BC6E9828-D5E3-F94A-8FD0-502DCA9B4680}" type="datetimeFigureOut">
+            <a:fld id="{E3FF52FC-9330-DE4B-8604-B633724EED49}" type="datetimeFigureOut">
               <a:rPr lang="en-US" smtClean="0"/>
               <a:t>7/30/21</a:t>
             </a:fld>
@@ -633,7 +633,7 @@
           <a:bodyPr/>
           <a:lstStyle/>
           <a:p>
-            <a:fld id="{0D7FB7F8-E302-CF46-AF2A-95B364687512}" type="slidenum">
+            <a:fld id="{A47A2DBD-F520-A149-8F7B-224B0E075DBD}" type="slidenum">
               <a:rPr lang="en-US" smtClean="0"/>
               <a:t>‹#›</a:t>
             </a:fld>
@@ -644,7 +644,7 @@
     </p:spTree>
     <p:extLst>
       <p:ext uri="{BB962C8B-B14F-4D97-AF65-F5344CB8AC3E}">
-        <p14:creationId xmlns:p14="http://schemas.microsoft.com/office/powerpoint/2010/main" val="2959972388"/>
+        <p14:creationId xmlns:p14="http://schemas.microsoft.com/office/powerpoint/2010/main" val="2825178575"/>
       </p:ext>
     </p:extLst>
   </p:cSld>
@@ -761,7 +761,7 @@
           <a:bodyPr/>
           <a:lstStyle/>
           <a:p>
-            <a:fld id="{BC6E9828-D5E3-F94A-8FD0-502DCA9B4680}" type="datetimeFigureOut">
+            <a:fld id="{E3FF52FC-9330-DE4B-8604-B633724EED49}" type="datetimeFigureOut">
               <a:rPr lang="en-US" smtClean="0"/>
               <a:t>7/30/21</a:t>
             </a:fld>
@@ -803,7 +803,7 @@
           <a:bodyPr/>
           <a:lstStyle/>
           <a:p>
-            <a:fld id="{0D7FB7F8-E302-CF46-AF2A-95B364687512}" type="slidenum">
+            <a:fld id="{A47A2DBD-F520-A149-8F7B-224B0E075DBD}" type="slidenum">
               <a:rPr lang="en-US" smtClean="0"/>
               <a:t>‹#›</a:t>
             </a:fld>
@@ -814,7 +814,7 @@
     </p:spTree>
     <p:extLst>
       <p:ext uri="{BB962C8B-B14F-4D97-AF65-F5344CB8AC3E}">
-        <p14:creationId xmlns:p14="http://schemas.microsoft.com/office/powerpoint/2010/main" val="3186892231"/>
+        <p14:creationId xmlns:p14="http://schemas.microsoft.com/office/powerpoint/2010/main" val="1750649328"/>
       </p:ext>
     </p:extLst>
   </p:cSld>
@@ -853,15 +853,15 @@
         </p:nvSpPr>
         <p:spPr>
           <a:xfrm>
-            <a:off x="779859" y="1709739"/>
-            <a:ext cx="9858375" cy="2852737"/>
+            <a:off x="967026" y="2165669"/>
+            <a:ext cx="12224385" cy="3613467"/>
           </a:xfrm>
         </p:spPr>
         <p:txBody>
           <a:bodyPr anchor="b"/>
           <a:lstStyle>
             <a:lvl1pPr>
-              <a:defRPr sz="5625"/>
+              <a:defRPr sz="6975"/>
             </a:lvl1pPr>
           </a:lstStyle>
           <a:p>
@@ -885,8 +885,8 @@
         </p:nvSpPr>
         <p:spPr>
           <a:xfrm>
-            <a:off x="779859" y="4589464"/>
-            <a:ext cx="9858375" cy="1500187"/>
+            <a:off x="967026" y="5813320"/>
+            <a:ext cx="12224385" cy="1900237"/>
           </a:xfrm>
         </p:spPr>
         <p:txBody>
@@ -894,7 +894,7 @@
           <a:lstStyle>
             <a:lvl1pPr marL="0" indent="0">
               <a:buNone/>
-              <a:defRPr sz="2250">
+              <a:defRPr sz="2790">
                 <a:solidFill>
                   <a:schemeClr val="tx1">
                     <a:tint val="75000"/>
@@ -902,9 +902,9 @@
                 </a:solidFill>
               </a:defRPr>
             </a:lvl1pPr>
-            <a:lvl2pPr marL="428625" indent="0">
-              <a:buNone/>
-              <a:defRPr sz="1875">
+            <a:lvl2pPr marL="531495" indent="0">
+              <a:buNone/>
+              <a:defRPr sz="2325">
                 <a:solidFill>
                   <a:schemeClr val="tx1">
                     <a:tint val="75000"/>
@@ -912,9 +912,9 @@
                 </a:solidFill>
               </a:defRPr>
             </a:lvl2pPr>
-            <a:lvl3pPr marL="857250" indent="0">
-              <a:buNone/>
-              <a:defRPr sz="1688">
+            <a:lvl3pPr marL="1062990" indent="0">
+              <a:buNone/>
+              <a:defRPr sz="2093">
                 <a:solidFill>
                   <a:schemeClr val="tx1">
                     <a:tint val="75000"/>
@@ -922,9 +922,9 @@
                 </a:solidFill>
               </a:defRPr>
             </a:lvl3pPr>
-            <a:lvl4pPr marL="1285875" indent="0">
-              <a:buNone/>
-              <a:defRPr sz="1500">
+            <a:lvl4pPr marL="1594485" indent="0">
+              <a:buNone/>
+              <a:defRPr sz="1860">
                 <a:solidFill>
                   <a:schemeClr val="tx1">
                     <a:tint val="75000"/>
@@ -932,9 +932,9 @@
                 </a:solidFill>
               </a:defRPr>
             </a:lvl4pPr>
-            <a:lvl5pPr marL="1714500" indent="0">
-              <a:buNone/>
-              <a:defRPr sz="1500">
+            <a:lvl5pPr marL="2125980" indent="0">
+              <a:buNone/>
+              <a:defRPr sz="1860">
                 <a:solidFill>
                   <a:schemeClr val="tx1">
                     <a:tint val="75000"/>
@@ -942,9 +942,9 @@
                 </a:solidFill>
               </a:defRPr>
             </a:lvl5pPr>
-            <a:lvl6pPr marL="2143125" indent="0">
-              <a:buNone/>
-              <a:defRPr sz="1500">
+            <a:lvl6pPr marL="2657475" indent="0">
+              <a:buNone/>
+              <a:defRPr sz="1860">
                 <a:solidFill>
                   <a:schemeClr val="tx1">
                     <a:tint val="75000"/>
@@ -952,9 +952,9 @@
                 </a:solidFill>
               </a:defRPr>
             </a:lvl6pPr>
-            <a:lvl7pPr marL="2571750" indent="0">
-              <a:buNone/>
-              <a:defRPr sz="1500">
+            <a:lvl7pPr marL="3188970" indent="0">
+              <a:buNone/>
+              <a:defRPr sz="1860">
                 <a:solidFill>
                   <a:schemeClr val="tx1">
                     <a:tint val="75000"/>
@@ -962,9 +962,9 @@
                 </a:solidFill>
               </a:defRPr>
             </a:lvl7pPr>
-            <a:lvl8pPr marL="3000375" indent="0">
-              <a:buNone/>
-              <a:defRPr sz="1500">
+            <a:lvl8pPr marL="3720465" indent="0">
+              <a:buNone/>
+              <a:defRPr sz="1860">
                 <a:solidFill>
                   <a:schemeClr val="tx1">
                     <a:tint val="75000"/>
@@ -972,9 +972,9 @@
                 </a:solidFill>
               </a:defRPr>
             </a:lvl8pPr>
-            <a:lvl9pPr marL="3429000" indent="0">
-              <a:buNone/>
-              <a:defRPr sz="1500">
+            <a:lvl9pPr marL="4251960" indent="0">
+              <a:buNone/>
+              <a:defRPr sz="1860">
                 <a:solidFill>
                   <a:schemeClr val="tx1">
                     <a:tint val="75000"/>
@@ -1007,7 +1007,7 @@
           <a:bodyPr/>
           <a:lstStyle/>
           <a:p>
-            <a:fld id="{BC6E9828-D5E3-F94A-8FD0-502DCA9B4680}" type="datetimeFigureOut">
+            <a:fld id="{E3FF52FC-9330-DE4B-8604-B633724EED49}" type="datetimeFigureOut">
               <a:rPr lang="en-US" smtClean="0"/>
               <a:t>7/30/21</a:t>
             </a:fld>
@@ -1049,7 +1049,7 @@
           <a:bodyPr/>
           <a:lstStyle/>
           <a:p>
-            <a:fld id="{0D7FB7F8-E302-CF46-AF2A-95B364687512}" type="slidenum">
+            <a:fld id="{A47A2DBD-F520-A149-8F7B-224B0E075DBD}" type="slidenum">
               <a:rPr lang="en-US" smtClean="0"/>
               <a:t>‹#›</a:t>
             </a:fld>
@@ -1060,7 +1060,7 @@
     </p:spTree>
     <p:extLst>
       <p:ext uri="{BB962C8B-B14F-4D97-AF65-F5344CB8AC3E}">
-        <p14:creationId xmlns:p14="http://schemas.microsoft.com/office/powerpoint/2010/main" val="1169570290"/>
+        <p14:creationId xmlns:p14="http://schemas.microsoft.com/office/powerpoint/2010/main" val="1554103921"/>
       </p:ext>
     </p:extLst>
   </p:cSld>
@@ -1122,8 +1122,8 @@
         </p:nvSpPr>
         <p:spPr>
           <a:xfrm>
-            <a:off x="785813" y="1825625"/>
-            <a:ext cx="4857750" cy="4351338"/>
+            <a:off x="974408" y="2312458"/>
+            <a:ext cx="6023610" cy="5511695"/>
           </a:xfrm>
         </p:spPr>
         <p:txBody>
@@ -1179,8 +1179,8 @@
         </p:nvSpPr>
         <p:spPr>
           <a:xfrm>
-            <a:off x="5786438" y="1825625"/>
-            <a:ext cx="4857750" cy="4351338"/>
+            <a:off x="7175183" y="2312458"/>
+            <a:ext cx="6023610" cy="5511695"/>
           </a:xfrm>
         </p:spPr>
         <p:txBody>
@@ -1239,7 +1239,7 @@
           <a:bodyPr/>
           <a:lstStyle/>
           <a:p>
-            <a:fld id="{BC6E9828-D5E3-F94A-8FD0-502DCA9B4680}" type="datetimeFigureOut">
+            <a:fld id="{E3FF52FC-9330-DE4B-8604-B633724EED49}" type="datetimeFigureOut">
               <a:rPr lang="en-US" smtClean="0"/>
               <a:t>7/30/21</a:t>
             </a:fld>
@@ -1281,7 +1281,7 @@
           <a:bodyPr/>
           <a:lstStyle/>
           <a:p>
-            <a:fld id="{0D7FB7F8-E302-CF46-AF2A-95B364687512}" type="slidenum">
+            <a:fld id="{A47A2DBD-F520-A149-8F7B-224B0E075DBD}" type="slidenum">
               <a:rPr lang="en-US" smtClean="0"/>
               <a:t>‹#›</a:t>
             </a:fld>
@@ -1292,7 +1292,7 @@
     </p:spTree>
     <p:extLst>
       <p:ext uri="{BB962C8B-B14F-4D97-AF65-F5344CB8AC3E}">
-        <p14:creationId xmlns:p14="http://schemas.microsoft.com/office/powerpoint/2010/main" val="2721032730"/>
+        <p14:creationId xmlns:p14="http://schemas.microsoft.com/office/powerpoint/2010/main" val="1394106772"/>
       </p:ext>
     </p:extLst>
   </p:cSld>
@@ -1331,8 +1331,8 @@
         </p:nvSpPr>
         <p:spPr>
           <a:xfrm>
-            <a:off x="787301" y="365126"/>
-            <a:ext cx="9858375" cy="1325563"/>
+            <a:off x="976254" y="462493"/>
+            <a:ext cx="12224385" cy="1679046"/>
           </a:xfrm>
         </p:spPr>
         <p:txBody>
@@ -1359,8 +1359,8 @@
         </p:nvSpPr>
         <p:spPr>
           <a:xfrm>
-            <a:off x="787302" y="1681163"/>
-            <a:ext cx="4835425" cy="823912"/>
+            <a:off x="976254" y="2129473"/>
+            <a:ext cx="5995927" cy="1043622"/>
           </a:xfrm>
         </p:spPr>
         <p:txBody>
@@ -1368,39 +1368,39 @@
           <a:lstStyle>
             <a:lvl1pPr marL="0" indent="0">
               <a:buNone/>
-              <a:defRPr sz="2250" b="1"/>
+              <a:defRPr sz="2790" b="1"/>
             </a:lvl1pPr>
-            <a:lvl2pPr marL="428625" indent="0">
-              <a:buNone/>
-              <a:defRPr sz="1875" b="1"/>
+            <a:lvl2pPr marL="531495" indent="0">
+              <a:buNone/>
+              <a:defRPr sz="2325" b="1"/>
             </a:lvl2pPr>
-            <a:lvl3pPr marL="857250" indent="0">
-              <a:buNone/>
-              <a:defRPr sz="1688" b="1"/>
+            <a:lvl3pPr marL="1062990" indent="0">
+              <a:buNone/>
+              <a:defRPr sz="2093" b="1"/>
             </a:lvl3pPr>
-            <a:lvl4pPr marL="1285875" indent="0">
-              <a:buNone/>
-              <a:defRPr sz="1500" b="1"/>
+            <a:lvl4pPr marL="1594485" indent="0">
+              <a:buNone/>
+              <a:defRPr sz="1860" b="1"/>
             </a:lvl4pPr>
-            <a:lvl5pPr marL="1714500" indent="0">
-              <a:buNone/>
-              <a:defRPr sz="1500" b="1"/>
+            <a:lvl5pPr marL="2125980" indent="0">
+              <a:buNone/>
+              <a:defRPr sz="1860" b="1"/>
             </a:lvl5pPr>
-            <a:lvl6pPr marL="2143125" indent="0">
-              <a:buNone/>
-              <a:defRPr sz="1500" b="1"/>
+            <a:lvl6pPr marL="2657475" indent="0">
+              <a:buNone/>
+              <a:defRPr sz="1860" b="1"/>
             </a:lvl6pPr>
-            <a:lvl7pPr marL="2571750" indent="0">
-              <a:buNone/>
-              <a:defRPr sz="1500" b="1"/>
+            <a:lvl7pPr marL="3188970" indent="0">
+              <a:buNone/>
+              <a:defRPr sz="1860" b="1"/>
             </a:lvl7pPr>
-            <a:lvl8pPr marL="3000375" indent="0">
-              <a:buNone/>
-              <a:defRPr sz="1500" b="1"/>
+            <a:lvl8pPr marL="3720465" indent="0">
+              <a:buNone/>
+              <a:defRPr sz="1860" b="1"/>
             </a:lvl8pPr>
-            <a:lvl9pPr marL="3429000" indent="0">
-              <a:buNone/>
-              <a:defRPr sz="1500" b="1"/>
+            <a:lvl9pPr marL="4251960" indent="0">
+              <a:buNone/>
+              <a:defRPr sz="1860" b="1"/>
             </a:lvl9pPr>
           </a:lstStyle>
           <a:p>
@@ -1424,8 +1424,8 @@
         </p:nvSpPr>
         <p:spPr>
           <a:xfrm>
-            <a:off x="787302" y="2505075"/>
-            <a:ext cx="4835425" cy="3684588"/>
+            <a:off x="976254" y="3173095"/>
+            <a:ext cx="5995927" cy="4667145"/>
           </a:xfrm>
         </p:spPr>
         <p:txBody>
@@ -1481,8 +1481,8 @@
         </p:nvSpPr>
         <p:spPr>
           <a:xfrm>
-            <a:off x="5786437" y="1681163"/>
-            <a:ext cx="4859239" cy="823912"/>
+            <a:off x="7175183" y="2129473"/>
+            <a:ext cx="6025456" cy="1043622"/>
           </a:xfrm>
         </p:spPr>
         <p:txBody>
@@ -1490,39 +1490,39 @@
           <a:lstStyle>
             <a:lvl1pPr marL="0" indent="0">
               <a:buNone/>
-              <a:defRPr sz="2250" b="1"/>
+              <a:defRPr sz="2790" b="1"/>
             </a:lvl1pPr>
-            <a:lvl2pPr marL="428625" indent="0">
-              <a:buNone/>
-              <a:defRPr sz="1875" b="1"/>
+            <a:lvl2pPr marL="531495" indent="0">
+              <a:buNone/>
+              <a:defRPr sz="2325" b="1"/>
             </a:lvl2pPr>
-            <a:lvl3pPr marL="857250" indent="0">
-              <a:buNone/>
-              <a:defRPr sz="1688" b="1"/>
+            <a:lvl3pPr marL="1062990" indent="0">
+              <a:buNone/>
+              <a:defRPr sz="2093" b="1"/>
             </a:lvl3pPr>
-            <a:lvl4pPr marL="1285875" indent="0">
-              <a:buNone/>
-              <a:defRPr sz="1500" b="1"/>
+            <a:lvl4pPr marL="1594485" indent="0">
+              <a:buNone/>
+              <a:defRPr sz="1860" b="1"/>
             </a:lvl4pPr>
-            <a:lvl5pPr marL="1714500" indent="0">
-              <a:buNone/>
-              <a:defRPr sz="1500" b="1"/>
+            <a:lvl5pPr marL="2125980" indent="0">
+              <a:buNone/>
+              <a:defRPr sz="1860" b="1"/>
             </a:lvl5pPr>
-            <a:lvl6pPr marL="2143125" indent="0">
-              <a:buNone/>
-              <a:defRPr sz="1500" b="1"/>
+            <a:lvl6pPr marL="2657475" indent="0">
+              <a:buNone/>
+              <a:defRPr sz="1860" b="1"/>
             </a:lvl6pPr>
-            <a:lvl7pPr marL="2571750" indent="0">
-              <a:buNone/>
-              <a:defRPr sz="1500" b="1"/>
+            <a:lvl7pPr marL="3188970" indent="0">
+              <a:buNone/>
+              <a:defRPr sz="1860" b="1"/>
             </a:lvl7pPr>
-            <a:lvl8pPr marL="3000375" indent="0">
-              <a:buNone/>
-              <a:defRPr sz="1500" b="1"/>
+            <a:lvl8pPr marL="3720465" indent="0">
+              <a:buNone/>
+              <a:defRPr sz="1860" b="1"/>
             </a:lvl8pPr>
-            <a:lvl9pPr marL="3429000" indent="0">
-              <a:buNone/>
-              <a:defRPr sz="1500" b="1"/>
+            <a:lvl9pPr marL="4251960" indent="0">
+              <a:buNone/>
+              <a:defRPr sz="1860" b="1"/>
             </a:lvl9pPr>
           </a:lstStyle>
           <a:p>
@@ -1546,8 +1546,8 @@
         </p:nvSpPr>
         <p:spPr>
           <a:xfrm>
-            <a:off x="5786437" y="2505075"/>
-            <a:ext cx="4859239" cy="3684588"/>
+            <a:off x="7175183" y="3173095"/>
+            <a:ext cx="6025456" cy="4667145"/>
           </a:xfrm>
         </p:spPr>
         <p:txBody>
@@ -1606,7 +1606,7 @@
           <a:bodyPr/>
           <a:lstStyle/>
           <a:p>
-            <a:fld id="{BC6E9828-D5E3-F94A-8FD0-502DCA9B4680}" type="datetimeFigureOut">
+            <a:fld id="{E3FF52FC-9330-DE4B-8604-B633724EED49}" type="datetimeFigureOut">
               <a:rPr lang="en-US" smtClean="0"/>
               <a:t>7/30/21</a:t>
             </a:fld>
@@ -1648,7 +1648,7 @@
           <a:bodyPr/>
           <a:lstStyle/>
           <a:p>
-            <a:fld id="{0D7FB7F8-E302-CF46-AF2A-95B364687512}" type="slidenum">
+            <a:fld id="{A47A2DBD-F520-A149-8F7B-224B0E075DBD}" type="slidenum">
               <a:rPr lang="en-US" smtClean="0"/>
               <a:t>‹#›</a:t>
             </a:fld>
@@ -1659,7 +1659,7 @@
     </p:spTree>
     <p:extLst>
       <p:ext uri="{BB962C8B-B14F-4D97-AF65-F5344CB8AC3E}">
-        <p14:creationId xmlns:p14="http://schemas.microsoft.com/office/powerpoint/2010/main" val="1504582392"/>
+        <p14:creationId xmlns:p14="http://schemas.microsoft.com/office/powerpoint/2010/main" val="2801709261"/>
       </p:ext>
     </p:extLst>
   </p:cSld>
@@ -1724,7 +1724,7 @@
           <a:bodyPr/>
           <a:lstStyle/>
           <a:p>
-            <a:fld id="{BC6E9828-D5E3-F94A-8FD0-502DCA9B4680}" type="datetimeFigureOut">
+            <a:fld id="{E3FF52FC-9330-DE4B-8604-B633724EED49}" type="datetimeFigureOut">
               <a:rPr lang="en-US" smtClean="0"/>
               <a:t>7/30/21</a:t>
             </a:fld>
@@ -1766,7 +1766,7 @@
           <a:bodyPr/>
           <a:lstStyle/>
           <a:p>
-            <a:fld id="{0D7FB7F8-E302-CF46-AF2A-95B364687512}" type="slidenum">
+            <a:fld id="{A47A2DBD-F520-A149-8F7B-224B0E075DBD}" type="slidenum">
               <a:rPr lang="en-US" smtClean="0"/>
               <a:t>‹#›</a:t>
             </a:fld>
@@ -1777,7 +1777,7 @@
     </p:spTree>
     <p:extLst>
       <p:ext uri="{BB962C8B-B14F-4D97-AF65-F5344CB8AC3E}">
-        <p14:creationId xmlns:p14="http://schemas.microsoft.com/office/powerpoint/2010/main" val="2399129656"/>
+        <p14:creationId xmlns:p14="http://schemas.microsoft.com/office/powerpoint/2010/main" val="1292407422"/>
       </p:ext>
     </p:extLst>
   </p:cSld>
@@ -1819,7 +1819,7 @@
           <a:bodyPr/>
           <a:lstStyle/>
           <a:p>
-            <a:fld id="{BC6E9828-D5E3-F94A-8FD0-502DCA9B4680}" type="datetimeFigureOut">
+            <a:fld id="{E3FF52FC-9330-DE4B-8604-B633724EED49}" type="datetimeFigureOut">
               <a:rPr lang="en-US" smtClean="0"/>
               <a:t>7/30/21</a:t>
             </a:fld>
@@ -1861,7 +1861,7 @@
           <a:bodyPr/>
           <a:lstStyle/>
           <a:p>
-            <a:fld id="{0D7FB7F8-E302-CF46-AF2A-95B364687512}" type="slidenum">
+            <a:fld id="{A47A2DBD-F520-A149-8F7B-224B0E075DBD}" type="slidenum">
               <a:rPr lang="en-US" smtClean="0"/>
               <a:t>‹#›</a:t>
             </a:fld>
@@ -1872,7 +1872,7 @@
     </p:spTree>
     <p:extLst>
       <p:ext uri="{BB962C8B-B14F-4D97-AF65-F5344CB8AC3E}">
-        <p14:creationId xmlns:p14="http://schemas.microsoft.com/office/powerpoint/2010/main" val="1851631404"/>
+        <p14:creationId xmlns:p14="http://schemas.microsoft.com/office/powerpoint/2010/main" val="1184482558"/>
       </p:ext>
     </p:extLst>
   </p:cSld>
@@ -1911,15 +1911,15 @@
         </p:nvSpPr>
         <p:spPr>
           <a:xfrm>
-            <a:off x="787302" y="457200"/>
-            <a:ext cx="3686472" cy="1600200"/>
+            <a:off x="976254" y="579120"/>
+            <a:ext cx="4571226" cy="2026920"/>
           </a:xfrm>
         </p:spPr>
         <p:txBody>
           <a:bodyPr anchor="b"/>
           <a:lstStyle>
             <a:lvl1pPr>
-              <a:defRPr sz="3000"/>
+              <a:defRPr sz="3720"/>
             </a:lvl1pPr>
           </a:lstStyle>
           <a:p>
@@ -1943,39 +1943,39 @@
         </p:nvSpPr>
         <p:spPr>
           <a:xfrm>
-            <a:off x="4859238" y="987426"/>
-            <a:ext cx="5786438" cy="4873625"/>
+            <a:off x="6025456" y="1250739"/>
+            <a:ext cx="7175183" cy="6173258"/>
           </a:xfrm>
         </p:spPr>
         <p:txBody>
           <a:bodyPr/>
           <a:lstStyle>
             <a:lvl1pPr>
-              <a:defRPr sz="3000"/>
+              <a:defRPr sz="3720"/>
             </a:lvl1pPr>
             <a:lvl2pPr>
-              <a:defRPr sz="2625"/>
+              <a:defRPr sz="3255"/>
             </a:lvl2pPr>
             <a:lvl3pPr>
-              <a:defRPr sz="2250"/>
+              <a:defRPr sz="2790"/>
             </a:lvl3pPr>
             <a:lvl4pPr>
-              <a:defRPr sz="1875"/>
+              <a:defRPr sz="2325"/>
             </a:lvl4pPr>
             <a:lvl5pPr>
-              <a:defRPr sz="1875"/>
+              <a:defRPr sz="2325"/>
             </a:lvl5pPr>
             <a:lvl6pPr>
-              <a:defRPr sz="1875"/>
+              <a:defRPr sz="2325"/>
             </a:lvl6pPr>
             <a:lvl7pPr>
-              <a:defRPr sz="1875"/>
+              <a:defRPr sz="2325"/>
             </a:lvl7pPr>
             <a:lvl8pPr>
-              <a:defRPr sz="1875"/>
+              <a:defRPr sz="2325"/>
             </a:lvl8pPr>
             <a:lvl9pPr>
-              <a:defRPr sz="1875"/>
+              <a:defRPr sz="2325"/>
             </a:lvl9pPr>
           </a:lstStyle>
           <a:p>
@@ -2028,8 +2028,8 @@
         </p:nvSpPr>
         <p:spPr>
           <a:xfrm>
-            <a:off x="787302" y="2057400"/>
-            <a:ext cx="3686472" cy="3811588"/>
+            <a:off x="976254" y="2606040"/>
+            <a:ext cx="4571226" cy="4828011"/>
           </a:xfrm>
         </p:spPr>
         <p:txBody>
@@ -2037,39 +2037,39 @@
           <a:lstStyle>
             <a:lvl1pPr marL="0" indent="0">
               <a:buNone/>
-              <a:defRPr sz="1500"/>
+              <a:defRPr sz="1860"/>
             </a:lvl1pPr>
-            <a:lvl2pPr marL="428625" indent="0">
-              <a:buNone/>
-              <a:defRPr sz="1313"/>
+            <a:lvl2pPr marL="531495" indent="0">
+              <a:buNone/>
+              <a:defRPr sz="1627"/>
             </a:lvl2pPr>
-            <a:lvl3pPr marL="857250" indent="0">
-              <a:buNone/>
-              <a:defRPr sz="1125"/>
+            <a:lvl3pPr marL="1062990" indent="0">
+              <a:buNone/>
+              <a:defRPr sz="1395"/>
             </a:lvl3pPr>
-            <a:lvl4pPr marL="1285875" indent="0">
-              <a:buNone/>
-              <a:defRPr sz="938"/>
+            <a:lvl4pPr marL="1594485" indent="0">
+              <a:buNone/>
+              <a:defRPr sz="1163"/>
             </a:lvl4pPr>
-            <a:lvl5pPr marL="1714500" indent="0">
-              <a:buNone/>
-              <a:defRPr sz="938"/>
+            <a:lvl5pPr marL="2125980" indent="0">
+              <a:buNone/>
+              <a:defRPr sz="1163"/>
             </a:lvl5pPr>
-            <a:lvl6pPr marL="2143125" indent="0">
-              <a:buNone/>
-              <a:defRPr sz="938"/>
+            <a:lvl6pPr marL="2657475" indent="0">
+              <a:buNone/>
+              <a:defRPr sz="1163"/>
             </a:lvl6pPr>
-            <a:lvl7pPr marL="2571750" indent="0">
-              <a:buNone/>
-              <a:defRPr sz="938"/>
+            <a:lvl7pPr marL="3188970" indent="0">
+              <a:buNone/>
+              <a:defRPr sz="1163"/>
             </a:lvl7pPr>
-            <a:lvl8pPr marL="3000375" indent="0">
-              <a:buNone/>
-              <a:defRPr sz="938"/>
+            <a:lvl8pPr marL="3720465" indent="0">
+              <a:buNone/>
+              <a:defRPr sz="1163"/>
             </a:lvl8pPr>
-            <a:lvl9pPr marL="3429000" indent="0">
-              <a:buNone/>
-              <a:defRPr sz="938"/>
+            <a:lvl9pPr marL="4251960" indent="0">
+              <a:buNone/>
+              <a:defRPr sz="1163"/>
             </a:lvl9pPr>
           </a:lstStyle>
           <a:p>
@@ -2096,7 +2096,7 @@
           <a:bodyPr/>
           <a:lstStyle/>
           <a:p>
-            <a:fld id="{BC6E9828-D5E3-F94A-8FD0-502DCA9B4680}" type="datetimeFigureOut">
+            <a:fld id="{E3FF52FC-9330-DE4B-8604-B633724EED49}" type="datetimeFigureOut">
               <a:rPr lang="en-US" smtClean="0"/>
               <a:t>7/30/21</a:t>
             </a:fld>
@@ -2138,7 +2138,7 @@
           <a:bodyPr/>
           <a:lstStyle/>
           <a:p>
-            <a:fld id="{0D7FB7F8-E302-CF46-AF2A-95B364687512}" type="slidenum">
+            <a:fld id="{A47A2DBD-F520-A149-8F7B-224B0E075DBD}" type="slidenum">
               <a:rPr lang="en-US" smtClean="0"/>
               <a:t>‹#›</a:t>
             </a:fld>
@@ -2149,7 +2149,7 @@
     </p:spTree>
     <p:extLst>
       <p:ext uri="{BB962C8B-B14F-4D97-AF65-F5344CB8AC3E}">
-        <p14:creationId xmlns:p14="http://schemas.microsoft.com/office/powerpoint/2010/main" val="2574863299"/>
+        <p14:creationId xmlns:p14="http://schemas.microsoft.com/office/powerpoint/2010/main" val="520519062"/>
       </p:ext>
     </p:extLst>
   </p:cSld>
@@ -2188,15 +2188,15 @@
         </p:nvSpPr>
         <p:spPr>
           <a:xfrm>
-            <a:off x="787302" y="457200"/>
-            <a:ext cx="3686472" cy="1600200"/>
+            <a:off x="976254" y="579120"/>
+            <a:ext cx="4571226" cy="2026920"/>
           </a:xfrm>
         </p:spPr>
         <p:txBody>
           <a:bodyPr anchor="b"/>
           <a:lstStyle>
             <a:lvl1pPr>
-              <a:defRPr sz="3000"/>
+              <a:defRPr sz="3720"/>
             </a:lvl1pPr>
           </a:lstStyle>
           <a:p>
@@ -2220,8 +2220,8 @@
         </p:nvSpPr>
         <p:spPr>
           <a:xfrm>
-            <a:off x="4859238" y="987426"/>
-            <a:ext cx="5786438" cy="4873625"/>
+            <a:off x="6025456" y="1250739"/>
+            <a:ext cx="7175183" cy="6173258"/>
           </a:xfrm>
         </p:spPr>
         <p:txBody>
@@ -2229,39 +2229,39 @@
           <a:lstStyle>
             <a:lvl1pPr marL="0" indent="0">
               <a:buNone/>
-              <a:defRPr sz="3000"/>
+              <a:defRPr sz="3720"/>
             </a:lvl1pPr>
-            <a:lvl2pPr marL="428625" indent="0">
-              <a:buNone/>
-              <a:defRPr sz="2625"/>
+            <a:lvl2pPr marL="531495" indent="0">
+              <a:buNone/>
+              <a:defRPr sz="3255"/>
             </a:lvl2pPr>
-            <a:lvl3pPr marL="857250" indent="0">
-              <a:buNone/>
-              <a:defRPr sz="2250"/>
+            <a:lvl3pPr marL="1062990" indent="0">
+              <a:buNone/>
+              <a:defRPr sz="2790"/>
             </a:lvl3pPr>
-            <a:lvl4pPr marL="1285875" indent="0">
-              <a:buNone/>
-              <a:defRPr sz="1875"/>
+            <a:lvl4pPr marL="1594485" indent="0">
+              <a:buNone/>
+              <a:defRPr sz="2325"/>
             </a:lvl4pPr>
-            <a:lvl5pPr marL="1714500" indent="0">
-              <a:buNone/>
-              <a:defRPr sz="1875"/>
+            <a:lvl5pPr marL="2125980" indent="0">
+              <a:buNone/>
+              <a:defRPr sz="2325"/>
             </a:lvl5pPr>
-            <a:lvl6pPr marL="2143125" indent="0">
-              <a:buNone/>
-              <a:defRPr sz="1875"/>
+            <a:lvl6pPr marL="2657475" indent="0">
+              <a:buNone/>
+              <a:defRPr sz="2325"/>
             </a:lvl6pPr>
-            <a:lvl7pPr marL="2571750" indent="0">
-              <a:buNone/>
-              <a:defRPr sz="1875"/>
+            <a:lvl7pPr marL="3188970" indent="0">
+              <a:buNone/>
+              <a:defRPr sz="2325"/>
             </a:lvl7pPr>
-            <a:lvl8pPr marL="3000375" indent="0">
-              <a:buNone/>
-              <a:defRPr sz="1875"/>
+            <a:lvl8pPr marL="3720465" indent="0">
+              <a:buNone/>
+              <a:defRPr sz="2325"/>
             </a:lvl8pPr>
-            <a:lvl9pPr marL="3429000" indent="0">
-              <a:buNone/>
-              <a:defRPr sz="1875"/>
+            <a:lvl9pPr marL="4251960" indent="0">
+              <a:buNone/>
+              <a:defRPr sz="2325"/>
             </a:lvl9pPr>
           </a:lstStyle>
           <a:p>
@@ -2285,8 +2285,8 @@
         </p:nvSpPr>
         <p:spPr>
           <a:xfrm>
-            <a:off x="787302" y="2057400"/>
-            <a:ext cx="3686472" cy="3811588"/>
+            <a:off x="976254" y="2606040"/>
+            <a:ext cx="4571226" cy="4828011"/>
           </a:xfrm>
         </p:spPr>
         <p:txBody>
@@ -2294,39 +2294,39 @@
           <a:lstStyle>
             <a:lvl1pPr marL="0" indent="0">
               <a:buNone/>
-              <a:defRPr sz="1500"/>
+              <a:defRPr sz="1860"/>
             </a:lvl1pPr>
-            <a:lvl2pPr marL="428625" indent="0">
-              <a:buNone/>
-              <a:defRPr sz="1313"/>
+            <a:lvl2pPr marL="531495" indent="0">
+              <a:buNone/>
+              <a:defRPr sz="1627"/>
             </a:lvl2pPr>
-            <a:lvl3pPr marL="857250" indent="0">
-              <a:buNone/>
-              <a:defRPr sz="1125"/>
+            <a:lvl3pPr marL="1062990" indent="0">
+              <a:buNone/>
+              <a:defRPr sz="1395"/>
             </a:lvl3pPr>
-            <a:lvl4pPr marL="1285875" indent="0">
-              <a:buNone/>
-              <a:defRPr sz="938"/>
+            <a:lvl4pPr marL="1594485" indent="0">
+              <a:buNone/>
+              <a:defRPr sz="1163"/>
             </a:lvl4pPr>
-            <a:lvl5pPr marL="1714500" indent="0">
-              <a:buNone/>
-              <a:defRPr sz="938"/>
+            <a:lvl5pPr marL="2125980" indent="0">
+              <a:buNone/>
+              <a:defRPr sz="1163"/>
             </a:lvl5pPr>
-            <a:lvl6pPr marL="2143125" indent="0">
-              <a:buNone/>
-              <a:defRPr sz="938"/>
+            <a:lvl6pPr marL="2657475" indent="0">
+              <a:buNone/>
+              <a:defRPr sz="1163"/>
             </a:lvl6pPr>
-            <a:lvl7pPr marL="2571750" indent="0">
-              <a:buNone/>
-              <a:defRPr sz="938"/>
+            <a:lvl7pPr marL="3188970" indent="0">
+              <a:buNone/>
+              <a:defRPr sz="1163"/>
             </a:lvl7pPr>
-            <a:lvl8pPr marL="3000375" indent="0">
-              <a:buNone/>
-              <a:defRPr sz="938"/>
+            <a:lvl8pPr marL="3720465" indent="0">
+              <a:buNone/>
+              <a:defRPr sz="1163"/>
             </a:lvl8pPr>
-            <a:lvl9pPr marL="3429000" indent="0">
-              <a:buNone/>
-              <a:defRPr sz="938"/>
+            <a:lvl9pPr marL="4251960" indent="0">
+              <a:buNone/>
+              <a:defRPr sz="1163"/>
             </a:lvl9pPr>
           </a:lstStyle>
           <a:p>
@@ -2353,7 +2353,7 @@
           <a:bodyPr/>
           <a:lstStyle/>
           <a:p>
-            <a:fld id="{BC6E9828-D5E3-F94A-8FD0-502DCA9B4680}" type="datetimeFigureOut">
+            <a:fld id="{E3FF52FC-9330-DE4B-8604-B633724EED49}" type="datetimeFigureOut">
               <a:rPr lang="en-US" smtClean="0"/>
               <a:t>7/30/21</a:t>
             </a:fld>
@@ -2395,7 +2395,7 @@
           <a:bodyPr/>
           <a:lstStyle/>
           <a:p>
-            <a:fld id="{0D7FB7F8-E302-CF46-AF2A-95B364687512}" type="slidenum">
+            <a:fld id="{A47A2DBD-F520-A149-8F7B-224B0E075DBD}" type="slidenum">
               <a:rPr lang="en-US" smtClean="0"/>
               <a:t>‹#›</a:t>
             </a:fld>
@@ -2406,7 +2406,7 @@
     </p:spTree>
     <p:extLst>
       <p:ext uri="{BB962C8B-B14F-4D97-AF65-F5344CB8AC3E}">
-        <p14:creationId xmlns:p14="http://schemas.microsoft.com/office/powerpoint/2010/main" val="1881962414"/>
+        <p14:creationId xmlns:p14="http://schemas.microsoft.com/office/powerpoint/2010/main" val="2023227487"/>
       </p:ext>
     </p:extLst>
   </p:cSld>
@@ -2450,8 +2450,8 @@
         </p:nvSpPr>
         <p:spPr>
           <a:xfrm>
-            <a:off x="785813" y="365126"/>
-            <a:ext cx="9858375" cy="1325563"/>
+            <a:off x="974408" y="462493"/>
+            <a:ext cx="12224385" cy="1679046"/>
           </a:xfrm>
           <a:prstGeom prst="rect">
             <a:avLst/>
@@ -2483,8 +2483,8 @@
         </p:nvSpPr>
         <p:spPr>
           <a:xfrm>
-            <a:off x="785813" y="1825625"/>
-            <a:ext cx="9858375" cy="4351338"/>
+            <a:off x="974408" y="2312458"/>
+            <a:ext cx="12224385" cy="5511695"/>
           </a:xfrm>
           <a:prstGeom prst="rect">
             <a:avLst/>
@@ -2545,8 +2545,8 @@
         </p:nvSpPr>
         <p:spPr>
           <a:xfrm>
-            <a:off x="785813" y="6356351"/>
-            <a:ext cx="2571750" cy="365125"/>
+            <a:off x="974408" y="8051377"/>
+            <a:ext cx="3188970" cy="462492"/>
           </a:xfrm>
           <a:prstGeom prst="rect">
             <a:avLst/>
@@ -2556,7 +2556,7 @@
           <a:bodyPr vert="horz" lIns="91440" tIns="45720" rIns="91440" bIns="45720" rtlCol="0" anchor="ctr"/>
           <a:lstStyle>
             <a:lvl1pPr algn="l">
-              <a:defRPr sz="1125">
+              <a:defRPr sz="1395">
                 <a:solidFill>
                   <a:schemeClr val="tx1">
                     <a:tint val="75000"/>
@@ -2566,7 +2566,7 @@
             </a:lvl1pPr>
           </a:lstStyle>
           <a:p>
-            <a:fld id="{BC6E9828-D5E3-F94A-8FD0-502DCA9B4680}" type="datetimeFigureOut">
+            <a:fld id="{E3FF52FC-9330-DE4B-8604-B633724EED49}" type="datetimeFigureOut">
               <a:rPr lang="en-US" smtClean="0"/>
               <a:t>7/30/21</a:t>
             </a:fld>
@@ -2586,8 +2586,8 @@
         </p:nvSpPr>
         <p:spPr>
           <a:xfrm>
-            <a:off x="3786188" y="6356351"/>
-            <a:ext cx="3857625" cy="365125"/>
+            <a:off x="4694873" y="8051377"/>
+            <a:ext cx="4783455" cy="462492"/>
           </a:xfrm>
           <a:prstGeom prst="rect">
             <a:avLst/>
@@ -2597,7 +2597,7 @@
           <a:bodyPr vert="horz" lIns="91440" tIns="45720" rIns="91440" bIns="45720" rtlCol="0" anchor="ctr"/>
           <a:lstStyle>
             <a:lvl1pPr algn="ctr">
-              <a:defRPr sz="1125">
+              <a:defRPr sz="1395">
                 <a:solidFill>
                   <a:schemeClr val="tx1">
                     <a:tint val="75000"/>
@@ -2623,8 +2623,8 @@
         </p:nvSpPr>
         <p:spPr>
           <a:xfrm>
-            <a:off x="8072438" y="6356351"/>
-            <a:ext cx="2571750" cy="365125"/>
+            <a:off x="10009823" y="8051377"/>
+            <a:ext cx="3188970" cy="462492"/>
           </a:xfrm>
           <a:prstGeom prst="rect">
             <a:avLst/>
@@ -2634,7 +2634,7 @@
           <a:bodyPr vert="horz" lIns="91440" tIns="45720" rIns="91440" bIns="45720" rtlCol="0" anchor="ctr"/>
           <a:lstStyle>
             <a:lvl1pPr algn="r">
-              <a:defRPr sz="1125">
+              <a:defRPr sz="1395">
                 <a:solidFill>
                   <a:schemeClr val="tx1">
                     <a:tint val="75000"/>
@@ -2644,7 +2644,7 @@
             </a:lvl1pPr>
           </a:lstStyle>
           <a:p>
-            <a:fld id="{0D7FB7F8-E302-CF46-AF2A-95B364687512}" type="slidenum">
+            <a:fld id="{A47A2DBD-F520-A149-8F7B-224B0E075DBD}" type="slidenum">
               <a:rPr lang="en-US" smtClean="0"/>
               <a:t>‹#›</a:t>
             </a:fld>
@@ -2655,27 +2655,27 @@
     </p:spTree>
     <p:extLst>
       <p:ext uri="{BB962C8B-B14F-4D97-AF65-F5344CB8AC3E}">
-        <p14:creationId xmlns:p14="http://schemas.microsoft.com/office/powerpoint/2010/main" val="1906315600"/>
+        <p14:creationId xmlns:p14="http://schemas.microsoft.com/office/powerpoint/2010/main" val="1411287893"/>
       </p:ext>
     </p:extLst>
   </p:cSld>
   <p:clrMap bg1="lt1" tx1="dk1" bg2="lt2" tx2="dk2" accent1="accent1" accent2="accent2" accent3="accent3" accent4="accent4" accent5="accent5" accent6="accent6" hlink="hlink" folHlink="folHlink"/>
   <p:sldLayoutIdLst>
-    <p:sldLayoutId id="2147483685" r:id="rId1"/>
-    <p:sldLayoutId id="2147483686" r:id="rId2"/>
-    <p:sldLayoutId id="2147483687" r:id="rId3"/>
-    <p:sldLayoutId id="2147483688" r:id="rId4"/>
-    <p:sldLayoutId id="2147483689" r:id="rId5"/>
-    <p:sldLayoutId id="2147483690" r:id="rId6"/>
-    <p:sldLayoutId id="2147483691" r:id="rId7"/>
-    <p:sldLayoutId id="2147483692" r:id="rId8"/>
-    <p:sldLayoutId id="2147483693" r:id="rId9"/>
-    <p:sldLayoutId id="2147483694" r:id="rId10"/>
-    <p:sldLayoutId id="2147483695" r:id="rId11"/>
+    <p:sldLayoutId id="2147483721" r:id="rId1"/>
+    <p:sldLayoutId id="2147483722" r:id="rId2"/>
+    <p:sldLayoutId id="2147483723" r:id="rId3"/>
+    <p:sldLayoutId id="2147483724" r:id="rId4"/>
+    <p:sldLayoutId id="2147483725" r:id="rId5"/>
+    <p:sldLayoutId id="2147483726" r:id="rId6"/>
+    <p:sldLayoutId id="2147483727" r:id="rId7"/>
+    <p:sldLayoutId id="2147483728" r:id="rId8"/>
+    <p:sldLayoutId id="2147483729" r:id="rId9"/>
+    <p:sldLayoutId id="2147483730" r:id="rId10"/>
+    <p:sldLayoutId id="2147483731" r:id="rId11"/>
   </p:sldLayoutIdLst>
   <p:txStyles>
     <p:titleStyle>
-      <a:lvl1pPr algn="l" defTabSz="857250" rtl="0" eaLnBrk="1" latinLnBrk="0" hangingPunct="1">
+      <a:lvl1pPr algn="l" defTabSz="1062990" rtl="0" eaLnBrk="1" latinLnBrk="0" hangingPunct="1">
         <a:lnSpc>
           <a:spcPct val="90000"/>
         </a:lnSpc>
@@ -2683,7 +2683,7 @@
           <a:spcPct val="0"/>
         </a:spcBef>
         <a:buNone/>
-        <a:defRPr sz="4125" kern="1200">
+        <a:defRPr sz="5115" kern="1200">
           <a:solidFill>
             <a:schemeClr val="tx1"/>
           </a:solidFill>
@@ -2694,16 +2694,16 @@
       </a:lvl1pPr>
     </p:titleStyle>
     <p:bodyStyle>
-      <a:lvl1pPr marL="214313" indent="-214313" algn="l" defTabSz="857250" rtl="0" eaLnBrk="1" latinLnBrk="0" hangingPunct="1">
+      <a:lvl1pPr marL="265748" indent="-265748" algn="l" defTabSz="1062990" rtl="0" eaLnBrk="1" latinLnBrk="0" hangingPunct="1">
         <a:lnSpc>
           <a:spcPct val="90000"/>
         </a:lnSpc>
         <a:spcBef>
-          <a:spcPts val="938"/>
+          <a:spcPts val="1163"/>
         </a:spcBef>
         <a:buFont typeface="Arial" panose="020B0604020202020204" pitchFamily="34" charset="0"/>
         <a:buChar char="•"/>
-        <a:defRPr sz="2625" kern="1200">
+        <a:defRPr sz="3255" kern="1200">
           <a:solidFill>
             <a:schemeClr val="tx1"/>
           </a:solidFill>
@@ -2712,16 +2712,16 @@
           <a:cs typeface="+mn-cs"/>
         </a:defRPr>
       </a:lvl1pPr>
-      <a:lvl2pPr marL="642938" indent="-214313" algn="l" defTabSz="857250" rtl="0" eaLnBrk="1" latinLnBrk="0" hangingPunct="1">
+      <a:lvl2pPr marL="797243" indent="-265748" algn="l" defTabSz="1062990" rtl="0" eaLnBrk="1" latinLnBrk="0" hangingPunct="1">
         <a:lnSpc>
           <a:spcPct val="90000"/>
         </a:lnSpc>
         <a:spcBef>
-          <a:spcPts val="469"/>
+          <a:spcPts val="581"/>
         </a:spcBef>
         <a:buFont typeface="Arial" panose="020B0604020202020204" pitchFamily="34" charset="0"/>
         <a:buChar char="•"/>
-        <a:defRPr sz="2250" kern="1200">
+        <a:defRPr sz="2790" kern="1200">
           <a:solidFill>
             <a:schemeClr val="tx1"/>
           </a:solidFill>
@@ -2730,16 +2730,16 @@
           <a:cs typeface="+mn-cs"/>
         </a:defRPr>
       </a:lvl2pPr>
-      <a:lvl3pPr marL="1071563" indent="-214313" algn="l" defTabSz="857250" rtl="0" eaLnBrk="1" latinLnBrk="0" hangingPunct="1">
+      <a:lvl3pPr marL="1328738" indent="-265748" algn="l" defTabSz="1062990" rtl="0" eaLnBrk="1" latinLnBrk="0" hangingPunct="1">
         <a:lnSpc>
           <a:spcPct val="90000"/>
         </a:lnSpc>
         <a:spcBef>
-          <a:spcPts val="469"/>
+          <a:spcPts val="581"/>
         </a:spcBef>
         <a:buFont typeface="Arial" panose="020B0604020202020204" pitchFamily="34" charset="0"/>
         <a:buChar char="•"/>
-        <a:defRPr sz="1875" kern="1200">
+        <a:defRPr sz="2325" kern="1200">
           <a:solidFill>
             <a:schemeClr val="tx1"/>
           </a:solidFill>
@@ -2748,16 +2748,16 @@
           <a:cs typeface="+mn-cs"/>
         </a:defRPr>
       </a:lvl3pPr>
-      <a:lvl4pPr marL="1500188" indent="-214313" algn="l" defTabSz="857250" rtl="0" eaLnBrk="1" latinLnBrk="0" hangingPunct="1">
+      <a:lvl4pPr marL="1860233" indent="-265748" algn="l" defTabSz="1062990" rtl="0" eaLnBrk="1" latinLnBrk="0" hangingPunct="1">
         <a:lnSpc>
           <a:spcPct val="90000"/>
         </a:lnSpc>
         <a:spcBef>
-          <a:spcPts val="469"/>
+          <a:spcPts val="581"/>
         </a:spcBef>
         <a:buFont typeface="Arial" panose="020B0604020202020204" pitchFamily="34" charset="0"/>
         <a:buChar char="•"/>
-        <a:defRPr sz="1688" kern="1200">
+        <a:defRPr sz="2093" kern="1200">
           <a:solidFill>
             <a:schemeClr val="tx1"/>
           </a:solidFill>
@@ -2766,16 +2766,16 @@
           <a:cs typeface="+mn-cs"/>
         </a:defRPr>
       </a:lvl4pPr>
-      <a:lvl5pPr marL="1928813" indent="-214313" algn="l" defTabSz="857250" rtl="0" eaLnBrk="1" latinLnBrk="0" hangingPunct="1">
+      <a:lvl5pPr marL="2391728" indent="-265748" algn="l" defTabSz="1062990" rtl="0" eaLnBrk="1" latinLnBrk="0" hangingPunct="1">
         <a:lnSpc>
           <a:spcPct val="90000"/>
         </a:lnSpc>
         <a:spcBef>
-          <a:spcPts val="469"/>
+          <a:spcPts val="581"/>
         </a:spcBef>
         <a:buFont typeface="Arial" panose="020B0604020202020204" pitchFamily="34" charset="0"/>
         <a:buChar char="•"/>
-        <a:defRPr sz="1688" kern="1200">
+        <a:defRPr sz="2093" kern="1200">
           <a:solidFill>
             <a:schemeClr val="tx1"/>
           </a:solidFill>
@@ -2784,16 +2784,16 @@
           <a:cs typeface="+mn-cs"/>
         </a:defRPr>
       </a:lvl5pPr>
-      <a:lvl6pPr marL="2357438" indent="-214313" algn="l" defTabSz="857250" rtl="0" eaLnBrk="1" latinLnBrk="0" hangingPunct="1">
+      <a:lvl6pPr marL="2923223" indent="-265748" algn="l" defTabSz="1062990" rtl="0" eaLnBrk="1" latinLnBrk="0" hangingPunct="1">
         <a:lnSpc>
           <a:spcPct val="90000"/>
         </a:lnSpc>
         <a:spcBef>
-          <a:spcPts val="469"/>
+          <a:spcPts val="581"/>
         </a:spcBef>
         <a:buFont typeface="Arial" panose="020B0604020202020204" pitchFamily="34" charset="0"/>
         <a:buChar char="•"/>
-        <a:defRPr sz="1688" kern="1200">
+        <a:defRPr sz="2093" kern="1200">
           <a:solidFill>
             <a:schemeClr val="tx1"/>
           </a:solidFill>
@@ -2802,16 +2802,16 @@
           <a:cs typeface="+mn-cs"/>
         </a:defRPr>
       </a:lvl6pPr>
-      <a:lvl7pPr marL="2786063" indent="-214313" algn="l" defTabSz="857250" rtl="0" eaLnBrk="1" latinLnBrk="0" hangingPunct="1">
+      <a:lvl7pPr marL="3454718" indent="-265748" algn="l" defTabSz="1062990" rtl="0" eaLnBrk="1" latinLnBrk="0" hangingPunct="1">
         <a:lnSpc>
           <a:spcPct val="90000"/>
         </a:lnSpc>
         <a:spcBef>
-          <a:spcPts val="469"/>
+          <a:spcPts val="581"/>
         </a:spcBef>
         <a:buFont typeface="Arial" panose="020B0604020202020204" pitchFamily="34" charset="0"/>
         <a:buChar char="•"/>
-        <a:defRPr sz="1688" kern="1200">
+        <a:defRPr sz="2093" kern="1200">
           <a:solidFill>
             <a:schemeClr val="tx1"/>
           </a:solidFill>
@@ -2820,16 +2820,16 @@
           <a:cs typeface="+mn-cs"/>
         </a:defRPr>
       </a:lvl7pPr>
-      <a:lvl8pPr marL="3214688" indent="-214313" algn="l" defTabSz="857250" rtl="0" eaLnBrk="1" latinLnBrk="0" hangingPunct="1">
+      <a:lvl8pPr marL="3986213" indent="-265748" algn="l" defTabSz="1062990" rtl="0" eaLnBrk="1" latinLnBrk="0" hangingPunct="1">
         <a:lnSpc>
           <a:spcPct val="90000"/>
         </a:lnSpc>
         <a:spcBef>
-          <a:spcPts val="469"/>
+          <a:spcPts val="581"/>
         </a:spcBef>
         <a:buFont typeface="Arial" panose="020B0604020202020204" pitchFamily="34" charset="0"/>
         <a:buChar char="•"/>
-        <a:defRPr sz="1688" kern="1200">
+        <a:defRPr sz="2093" kern="1200">
           <a:solidFill>
             <a:schemeClr val="tx1"/>
           </a:solidFill>
@@ -2838,16 +2838,16 @@
           <a:cs typeface="+mn-cs"/>
         </a:defRPr>
       </a:lvl8pPr>
-      <a:lvl9pPr marL="3643313" indent="-214313" algn="l" defTabSz="857250" rtl="0" eaLnBrk="1" latinLnBrk="0" hangingPunct="1">
+      <a:lvl9pPr marL="4517708" indent="-265748" algn="l" defTabSz="1062990" rtl="0" eaLnBrk="1" latinLnBrk="0" hangingPunct="1">
         <a:lnSpc>
           <a:spcPct val="90000"/>
         </a:lnSpc>
         <a:spcBef>
-          <a:spcPts val="469"/>
+          <a:spcPts val="581"/>
         </a:spcBef>
         <a:buFont typeface="Arial" panose="020B0604020202020204" pitchFamily="34" charset="0"/>
         <a:buChar char="•"/>
-        <a:defRPr sz="1688" kern="1200">
+        <a:defRPr sz="2093" kern="1200">
           <a:solidFill>
             <a:schemeClr val="tx1"/>
           </a:solidFill>
@@ -2861,8 +2861,8 @@
       <a:defPPr>
         <a:defRPr lang="en-US"/>
       </a:defPPr>
-      <a:lvl1pPr marL="0" algn="l" defTabSz="857250" rtl="0" eaLnBrk="1" latinLnBrk="0" hangingPunct="1">
-        <a:defRPr sz="1688" kern="1200">
+      <a:lvl1pPr marL="0" algn="l" defTabSz="1062990" rtl="0" eaLnBrk="1" latinLnBrk="0" hangingPunct="1">
+        <a:defRPr sz="2093" kern="1200">
           <a:solidFill>
             <a:schemeClr val="tx1"/>
           </a:solidFill>
@@ -2871,8 +2871,8 @@
           <a:cs typeface="+mn-cs"/>
         </a:defRPr>
       </a:lvl1pPr>
-      <a:lvl2pPr marL="428625" algn="l" defTabSz="857250" rtl="0" eaLnBrk="1" latinLnBrk="0" hangingPunct="1">
-        <a:defRPr sz="1688" kern="1200">
+      <a:lvl2pPr marL="531495" algn="l" defTabSz="1062990" rtl="0" eaLnBrk="1" latinLnBrk="0" hangingPunct="1">
+        <a:defRPr sz="2093" kern="1200">
           <a:solidFill>
             <a:schemeClr val="tx1"/>
           </a:solidFill>
@@ -2881,8 +2881,8 @@
           <a:cs typeface="+mn-cs"/>
         </a:defRPr>
       </a:lvl2pPr>
-      <a:lvl3pPr marL="857250" algn="l" defTabSz="857250" rtl="0" eaLnBrk="1" latinLnBrk="0" hangingPunct="1">
-        <a:defRPr sz="1688" kern="1200">
+      <a:lvl3pPr marL="1062990" algn="l" defTabSz="1062990" rtl="0" eaLnBrk="1" latinLnBrk="0" hangingPunct="1">
+        <a:defRPr sz="2093" kern="1200">
           <a:solidFill>
             <a:schemeClr val="tx1"/>
           </a:solidFill>
@@ -2891,8 +2891,8 @@
           <a:cs typeface="+mn-cs"/>
         </a:defRPr>
       </a:lvl3pPr>
-      <a:lvl4pPr marL="1285875" algn="l" defTabSz="857250" rtl="0" eaLnBrk="1" latinLnBrk="0" hangingPunct="1">
-        <a:defRPr sz="1688" kern="1200">
+      <a:lvl4pPr marL="1594485" algn="l" defTabSz="1062990" rtl="0" eaLnBrk="1" latinLnBrk="0" hangingPunct="1">
+        <a:defRPr sz="2093" kern="1200">
           <a:solidFill>
             <a:schemeClr val="tx1"/>
           </a:solidFill>
@@ -2901,8 +2901,8 @@
           <a:cs typeface="+mn-cs"/>
         </a:defRPr>
       </a:lvl4pPr>
-      <a:lvl5pPr marL="1714500" algn="l" defTabSz="857250" rtl="0" eaLnBrk="1" latinLnBrk="0" hangingPunct="1">
-        <a:defRPr sz="1688" kern="1200">
+      <a:lvl5pPr marL="2125980" algn="l" defTabSz="1062990" rtl="0" eaLnBrk="1" latinLnBrk="0" hangingPunct="1">
+        <a:defRPr sz="2093" kern="1200">
           <a:solidFill>
             <a:schemeClr val="tx1"/>
           </a:solidFill>
@@ -2911,8 +2911,8 @@
           <a:cs typeface="+mn-cs"/>
         </a:defRPr>
       </a:lvl5pPr>
-      <a:lvl6pPr marL="2143125" algn="l" defTabSz="857250" rtl="0" eaLnBrk="1" latinLnBrk="0" hangingPunct="1">
-        <a:defRPr sz="1688" kern="1200">
+      <a:lvl6pPr marL="2657475" algn="l" defTabSz="1062990" rtl="0" eaLnBrk="1" latinLnBrk="0" hangingPunct="1">
+        <a:defRPr sz="2093" kern="1200">
           <a:solidFill>
             <a:schemeClr val="tx1"/>
           </a:solidFill>
@@ -2921,8 +2921,8 @@
           <a:cs typeface="+mn-cs"/>
         </a:defRPr>
       </a:lvl6pPr>
-      <a:lvl7pPr marL="2571750" algn="l" defTabSz="857250" rtl="0" eaLnBrk="1" latinLnBrk="0" hangingPunct="1">
-        <a:defRPr sz="1688" kern="1200">
+      <a:lvl7pPr marL="3188970" algn="l" defTabSz="1062990" rtl="0" eaLnBrk="1" latinLnBrk="0" hangingPunct="1">
+        <a:defRPr sz="2093" kern="1200">
           <a:solidFill>
             <a:schemeClr val="tx1"/>
           </a:solidFill>
@@ -2931,8 +2931,8 @@
           <a:cs typeface="+mn-cs"/>
         </a:defRPr>
       </a:lvl7pPr>
-      <a:lvl8pPr marL="3000375" algn="l" defTabSz="857250" rtl="0" eaLnBrk="1" latinLnBrk="0" hangingPunct="1">
-        <a:defRPr sz="1688" kern="1200">
+      <a:lvl8pPr marL="3720465" algn="l" defTabSz="1062990" rtl="0" eaLnBrk="1" latinLnBrk="0" hangingPunct="1">
+        <a:defRPr sz="2093" kern="1200">
           <a:solidFill>
             <a:schemeClr val="tx1"/>
           </a:solidFill>
@@ -2941,8 +2941,8 @@
           <a:cs typeface="+mn-cs"/>
         </a:defRPr>
       </a:lvl8pPr>
-      <a:lvl9pPr marL="3429000" algn="l" defTabSz="857250" rtl="0" eaLnBrk="1" latinLnBrk="0" hangingPunct="1">
-        <a:defRPr sz="1688" kern="1200">
+      <a:lvl9pPr marL="4251960" algn="l" defTabSz="1062990" rtl="0" eaLnBrk="1" latinLnBrk="0" hangingPunct="1">
+        <a:defRPr sz="2093" kern="1200">
           <a:solidFill>
             <a:schemeClr val="tx1"/>
           </a:solidFill>
@@ -2975,10 +2975,10 @@
       </p:grpSpPr>
       <p:pic>
         <p:nvPicPr>
-          <p:cNvPr id="9" name="Picture 8">
+          <p:cNvPr id="3" name="Picture 2">
             <a:extLst>
               <a:ext uri="{FF2B5EF4-FFF2-40B4-BE49-F238E27FC236}">
-                <a16:creationId xmlns:a16="http://schemas.microsoft.com/office/drawing/2014/main" id="{CB5678FC-652F-F648-8994-7A0AB4F12B80}"/>
+                <a16:creationId xmlns:a16="http://schemas.microsoft.com/office/drawing/2014/main" id="{00FD4CEC-1093-4045-BE69-1DE80D3361EE}"/>
               </a:ext>
             </a:extLst>
           </p:cNvPr>
@@ -2995,8 +2995,8 @@
         </p:blipFill>
         <p:spPr>
           <a:xfrm>
-            <a:off x="0" y="0"/>
-            <a:ext cx="6350000" cy="6858000"/>
+            <a:off x="-32712" y="0"/>
+            <a:ext cx="8826500" cy="5067300"/>
           </a:xfrm>
           <a:prstGeom prst="rect">
             <a:avLst/>
@@ -3005,10 +3005,10 @@
       </p:pic>
       <p:pic>
         <p:nvPicPr>
-          <p:cNvPr id="6" name="Picture 5">
+          <p:cNvPr id="10" name="Picture 9">
             <a:extLst>
               <a:ext uri="{FF2B5EF4-FFF2-40B4-BE49-F238E27FC236}">
-                <a16:creationId xmlns:a16="http://schemas.microsoft.com/office/drawing/2014/main" id="{B1C8E105-264C-7548-A90B-64ED831C8F61}"/>
+                <a16:creationId xmlns:a16="http://schemas.microsoft.com/office/drawing/2014/main" id="{8CCB3943-3769-4044-9D5B-BAB7755E47CC}"/>
               </a:ext>
             </a:extLst>
           </p:cNvPr>
@@ -3025,8 +3025,91 @@
         </p:blipFill>
         <p:spPr>
           <a:xfrm>
-            <a:off x="6172200" y="0"/>
-            <a:ext cx="5257800" cy="6502400"/>
+            <a:off x="8827654" y="0"/>
+            <a:ext cx="5266800" cy="8686800"/>
+          </a:xfrm>
+          <a:prstGeom prst="rect">
+            <a:avLst/>
+          </a:prstGeom>
+        </p:spPr>
+      </p:pic>
+      <p:sp>
+        <p:nvSpPr>
+          <p:cNvPr id="2" name="Rectangle 1">
+            <a:extLst>
+              <a:ext uri="{FF2B5EF4-FFF2-40B4-BE49-F238E27FC236}">
+                <a16:creationId xmlns:a16="http://schemas.microsoft.com/office/drawing/2014/main" id="{27D2FD19-A802-B541-BB94-6594DA9E3F53}"/>
+              </a:ext>
+            </a:extLst>
+          </p:cNvPr>
+          <p:cNvSpPr/>
+          <p:nvPr/>
+        </p:nvSpPr>
+        <p:spPr>
+          <a:xfrm>
+            <a:off x="11717333" y="952900"/>
+            <a:ext cx="772633" cy="7430703"/>
+          </a:xfrm>
+          <a:prstGeom prst="rect">
+            <a:avLst/>
+          </a:prstGeom>
+          <a:noFill/>
+          <a:ln w="19050">
+            <a:solidFill>
+              <a:srgbClr val="C00000"/>
+            </a:solidFill>
+            <a:prstDash val="dash"/>
+          </a:ln>
+        </p:spPr>
+        <p:style>
+          <a:lnRef idx="2">
+            <a:schemeClr val="accent1">
+              <a:shade val="50000"/>
+            </a:schemeClr>
+          </a:lnRef>
+          <a:fillRef idx="1">
+            <a:schemeClr val="accent1"/>
+          </a:fillRef>
+          <a:effectRef idx="0">
+            <a:schemeClr val="accent1"/>
+          </a:effectRef>
+          <a:fontRef idx="minor">
+            <a:schemeClr val="lt1"/>
+          </a:fontRef>
+        </p:style>
+        <p:txBody>
+          <a:bodyPr rtlCol="0" anchor="ctr"/>
+          <a:lstStyle/>
+          <a:p>
+            <a:pPr algn="ctr"/>
+            <a:endParaRPr lang="en-US"/>
+          </a:p>
+        </p:txBody>
+      </p:sp>
+      <p:pic>
+        <p:nvPicPr>
+          <p:cNvPr id="5" name="Picture 4">
+            <a:extLst>
+              <a:ext uri="{FF2B5EF4-FFF2-40B4-BE49-F238E27FC236}">
+                <a16:creationId xmlns:a16="http://schemas.microsoft.com/office/drawing/2014/main" id="{029B1AE4-5A07-7349-A1BF-86E69966C5A8}"/>
+              </a:ext>
+            </a:extLst>
+          </p:cNvPr>
+          <p:cNvPicPr>
+            <a:picLocks noChangeAspect="1"/>
+          </p:cNvPicPr>
+          <p:nvPr/>
+        </p:nvPicPr>
+        <p:blipFill>
+          <a:blip r:embed="rId4"/>
+          <a:stretch>
+            <a:fillRect/>
+          </a:stretch>
+        </p:blipFill>
+        <p:spPr>
+          <a:xfrm>
+            <a:off x="-32712" y="5020521"/>
+            <a:ext cx="9313333" cy="3666279"/>
           </a:xfrm>
           <a:prstGeom prst="rect">
             <a:avLst/>
@@ -3036,7 +3119,7 @@
     </p:spTree>
     <p:extLst>
       <p:ext uri="{BB962C8B-B14F-4D97-AF65-F5344CB8AC3E}">
-        <p14:creationId xmlns:p14="http://schemas.microsoft.com/office/powerpoint/2010/main" val="4194989079"/>
+        <p14:creationId xmlns:p14="http://schemas.microsoft.com/office/powerpoint/2010/main" val="1692663913"/>
       </p:ext>
     </p:extLst>
   </p:cSld>

--- a/analysis/plots/fig4.pptx
+++ b/analysis/plots/fig4.pptx
@@ -243,7 +243,7 @@
           <a:p>
             <a:fld id="{E3FF52FC-9330-DE4B-8604-B633724EED49}" type="datetimeFigureOut">
               <a:rPr lang="en-US" smtClean="0"/>
-              <a:t>7/30/21</a:t>
+              <a:t>8/19/21</a:t>
             </a:fld>
             <a:endParaRPr lang="en-US"/>
           </a:p>
@@ -413,7 +413,7 @@
           <a:p>
             <a:fld id="{E3FF52FC-9330-DE4B-8604-B633724EED49}" type="datetimeFigureOut">
               <a:rPr lang="en-US" smtClean="0"/>
-              <a:t>7/30/21</a:t>
+              <a:t>8/19/21</a:t>
             </a:fld>
             <a:endParaRPr lang="en-US"/>
           </a:p>
@@ -593,7 +593,7 @@
           <a:p>
             <a:fld id="{E3FF52FC-9330-DE4B-8604-B633724EED49}" type="datetimeFigureOut">
               <a:rPr lang="en-US" smtClean="0"/>
-              <a:t>7/30/21</a:t>
+              <a:t>8/19/21</a:t>
             </a:fld>
             <a:endParaRPr lang="en-US"/>
           </a:p>
@@ -763,7 +763,7 @@
           <a:p>
             <a:fld id="{E3FF52FC-9330-DE4B-8604-B633724EED49}" type="datetimeFigureOut">
               <a:rPr lang="en-US" smtClean="0"/>
-              <a:t>7/30/21</a:t>
+              <a:t>8/19/21</a:t>
             </a:fld>
             <a:endParaRPr lang="en-US"/>
           </a:p>
@@ -1009,7 +1009,7 @@
           <a:p>
             <a:fld id="{E3FF52FC-9330-DE4B-8604-B633724EED49}" type="datetimeFigureOut">
               <a:rPr lang="en-US" smtClean="0"/>
-              <a:t>7/30/21</a:t>
+              <a:t>8/19/21</a:t>
             </a:fld>
             <a:endParaRPr lang="en-US"/>
           </a:p>
@@ -1241,7 +1241,7 @@
           <a:p>
             <a:fld id="{E3FF52FC-9330-DE4B-8604-B633724EED49}" type="datetimeFigureOut">
               <a:rPr lang="en-US" smtClean="0"/>
-              <a:t>7/30/21</a:t>
+              <a:t>8/19/21</a:t>
             </a:fld>
             <a:endParaRPr lang="en-US"/>
           </a:p>
@@ -1608,7 +1608,7 @@
           <a:p>
             <a:fld id="{E3FF52FC-9330-DE4B-8604-B633724EED49}" type="datetimeFigureOut">
               <a:rPr lang="en-US" smtClean="0"/>
-              <a:t>7/30/21</a:t>
+              <a:t>8/19/21</a:t>
             </a:fld>
             <a:endParaRPr lang="en-US"/>
           </a:p>
@@ -1726,7 +1726,7 @@
           <a:p>
             <a:fld id="{E3FF52FC-9330-DE4B-8604-B633724EED49}" type="datetimeFigureOut">
               <a:rPr lang="en-US" smtClean="0"/>
-              <a:t>7/30/21</a:t>
+              <a:t>8/19/21</a:t>
             </a:fld>
             <a:endParaRPr lang="en-US"/>
           </a:p>
@@ -1821,7 +1821,7 @@
           <a:p>
             <a:fld id="{E3FF52FC-9330-DE4B-8604-B633724EED49}" type="datetimeFigureOut">
               <a:rPr lang="en-US" smtClean="0"/>
-              <a:t>7/30/21</a:t>
+              <a:t>8/19/21</a:t>
             </a:fld>
             <a:endParaRPr lang="en-US"/>
           </a:p>
@@ -2098,7 +2098,7 @@
           <a:p>
             <a:fld id="{E3FF52FC-9330-DE4B-8604-B633724EED49}" type="datetimeFigureOut">
               <a:rPr lang="en-US" smtClean="0"/>
-              <a:t>7/30/21</a:t>
+              <a:t>8/19/21</a:t>
             </a:fld>
             <a:endParaRPr lang="en-US"/>
           </a:p>
@@ -2355,7 +2355,7 @@
           <a:p>
             <a:fld id="{E3FF52FC-9330-DE4B-8604-B633724EED49}" type="datetimeFigureOut">
               <a:rPr lang="en-US" smtClean="0"/>
-              <a:t>7/30/21</a:t>
+              <a:t>8/19/21</a:t>
             </a:fld>
             <a:endParaRPr lang="en-US"/>
           </a:p>
@@ -2568,7 +2568,7 @@
           <a:p>
             <a:fld id="{E3FF52FC-9330-DE4B-8604-B633724EED49}" type="datetimeFigureOut">
               <a:rPr lang="en-US" smtClean="0"/>
-              <a:t>7/30/21</a:t>
+              <a:t>8/19/21</a:t>
             </a:fld>
             <a:endParaRPr lang="en-US"/>
           </a:p>
@@ -2975,10 +2975,10 @@
       </p:grpSpPr>
       <p:pic>
         <p:nvPicPr>
-          <p:cNvPr id="3" name="Picture 2">
+          <p:cNvPr id="15" name="Picture 14">
             <a:extLst>
               <a:ext uri="{FF2B5EF4-FFF2-40B4-BE49-F238E27FC236}">
-                <a16:creationId xmlns:a16="http://schemas.microsoft.com/office/drawing/2014/main" id="{00FD4CEC-1093-4045-BE69-1DE80D3361EE}"/>
+                <a16:creationId xmlns:a16="http://schemas.microsoft.com/office/drawing/2014/main" id="{CC662644-E8C6-FA47-99EC-917518CF066F}"/>
               </a:ext>
             </a:extLst>
           </p:cNvPr>
@@ -2995,38 +2995,8 @@
         </p:blipFill>
         <p:spPr>
           <a:xfrm>
-            <a:off x="-32712" y="0"/>
-            <a:ext cx="8826500" cy="5067300"/>
-          </a:xfrm>
-          <a:prstGeom prst="rect">
-            <a:avLst/>
-          </a:prstGeom>
-        </p:spPr>
-      </p:pic>
-      <p:pic>
-        <p:nvPicPr>
-          <p:cNvPr id="10" name="Picture 9">
-            <a:extLst>
-              <a:ext uri="{FF2B5EF4-FFF2-40B4-BE49-F238E27FC236}">
-                <a16:creationId xmlns:a16="http://schemas.microsoft.com/office/drawing/2014/main" id="{8CCB3943-3769-4044-9D5B-BAB7755E47CC}"/>
-              </a:ext>
-            </a:extLst>
-          </p:cNvPr>
-          <p:cNvPicPr>
-            <a:picLocks noChangeAspect="1"/>
-          </p:cNvPicPr>
-          <p:nvPr/>
-        </p:nvPicPr>
-        <p:blipFill>
-          <a:blip r:embed="rId3"/>
-          <a:stretch>
-            <a:fillRect/>
-          </a:stretch>
-        </p:blipFill>
-        <p:spPr>
-          <a:xfrm>
-            <a:off x="8827654" y="0"/>
-            <a:ext cx="5266800" cy="8686800"/>
+            <a:off x="9042150" y="0"/>
+            <a:ext cx="5012518" cy="8686800"/>
           </a:xfrm>
           <a:prstGeom prst="rect">
             <a:avLst/>
@@ -3047,8 +3017,8 @@
         </p:nvSpPr>
         <p:spPr>
           <a:xfrm>
-            <a:off x="11717333" y="952900"/>
-            <a:ext cx="772633" cy="7430703"/>
+            <a:off x="11789478" y="551432"/>
+            <a:ext cx="732916" cy="7832171"/>
           </a:xfrm>
           <a:prstGeom prst="rect">
             <a:avLst/>
@@ -3088,10 +3058,40 @@
       </p:sp>
       <p:pic>
         <p:nvPicPr>
-          <p:cNvPr id="5" name="Picture 4">
+          <p:cNvPr id="6" name="Picture 5">
             <a:extLst>
               <a:ext uri="{FF2B5EF4-FFF2-40B4-BE49-F238E27FC236}">
-                <a16:creationId xmlns:a16="http://schemas.microsoft.com/office/drawing/2014/main" id="{029B1AE4-5A07-7349-A1BF-86E69966C5A8}"/>
+                <a16:creationId xmlns:a16="http://schemas.microsoft.com/office/drawing/2014/main" id="{5DF58DD6-8C93-4940-BE1C-0D764B1E7318}"/>
+              </a:ext>
+            </a:extLst>
+          </p:cNvPr>
+          <p:cNvPicPr>
+            <a:picLocks noChangeAspect="1"/>
+          </p:cNvPicPr>
+          <p:nvPr/>
+        </p:nvPicPr>
+        <p:blipFill>
+          <a:blip r:embed="rId3"/>
+          <a:stretch>
+            <a:fillRect/>
+          </a:stretch>
+        </p:blipFill>
+        <p:spPr>
+          <a:xfrm>
+            <a:off x="-32712" y="0"/>
+            <a:ext cx="8826500" cy="5041900"/>
+          </a:xfrm>
+          <a:prstGeom prst="rect">
+            <a:avLst/>
+          </a:prstGeom>
+        </p:spPr>
+      </p:pic>
+      <p:pic>
+        <p:nvPicPr>
+          <p:cNvPr id="17" name="Picture 16">
+            <a:extLst>
+              <a:ext uri="{FF2B5EF4-FFF2-40B4-BE49-F238E27FC236}">
+                <a16:creationId xmlns:a16="http://schemas.microsoft.com/office/drawing/2014/main" id="{71D48E96-F1E9-C24B-9FB4-CA558CD7B853}"/>
               </a:ext>
             </a:extLst>
           </p:cNvPr>
@@ -3108,8 +3108,8 @@
         </p:blipFill>
         <p:spPr>
           <a:xfrm>
-            <a:off x="-32712" y="5020521"/>
-            <a:ext cx="9313333" cy="3666279"/>
+            <a:off x="-32712" y="4965700"/>
+            <a:ext cx="9474200" cy="3721100"/>
           </a:xfrm>
           <a:prstGeom prst="rect">
             <a:avLst/>

--- a/analysis/plots/fig4.pptx
+++ b/analysis/plots/fig4.pptx
@@ -243,7 +243,7 @@
           <a:p>
             <a:fld id="{E3FF52FC-9330-DE4B-8604-B633724EED49}" type="datetimeFigureOut">
               <a:rPr lang="en-US" smtClean="0"/>
-              <a:t>8/19/21</a:t>
+              <a:t>9/9/21</a:t>
             </a:fld>
             <a:endParaRPr lang="en-US"/>
           </a:p>
@@ -413,7 +413,7 @@
           <a:p>
             <a:fld id="{E3FF52FC-9330-DE4B-8604-B633724EED49}" type="datetimeFigureOut">
               <a:rPr lang="en-US" smtClean="0"/>
-              <a:t>8/19/21</a:t>
+              <a:t>9/9/21</a:t>
             </a:fld>
             <a:endParaRPr lang="en-US"/>
           </a:p>
@@ -593,7 +593,7 @@
           <a:p>
             <a:fld id="{E3FF52FC-9330-DE4B-8604-B633724EED49}" type="datetimeFigureOut">
               <a:rPr lang="en-US" smtClean="0"/>
-              <a:t>8/19/21</a:t>
+              <a:t>9/9/21</a:t>
             </a:fld>
             <a:endParaRPr lang="en-US"/>
           </a:p>
@@ -763,7 +763,7 @@
           <a:p>
             <a:fld id="{E3FF52FC-9330-DE4B-8604-B633724EED49}" type="datetimeFigureOut">
               <a:rPr lang="en-US" smtClean="0"/>
-              <a:t>8/19/21</a:t>
+              <a:t>9/9/21</a:t>
             </a:fld>
             <a:endParaRPr lang="en-US"/>
           </a:p>
@@ -1009,7 +1009,7 @@
           <a:p>
             <a:fld id="{E3FF52FC-9330-DE4B-8604-B633724EED49}" type="datetimeFigureOut">
               <a:rPr lang="en-US" smtClean="0"/>
-              <a:t>8/19/21</a:t>
+              <a:t>9/9/21</a:t>
             </a:fld>
             <a:endParaRPr lang="en-US"/>
           </a:p>
@@ -1241,7 +1241,7 @@
           <a:p>
             <a:fld id="{E3FF52FC-9330-DE4B-8604-B633724EED49}" type="datetimeFigureOut">
               <a:rPr lang="en-US" smtClean="0"/>
-              <a:t>8/19/21</a:t>
+              <a:t>9/9/21</a:t>
             </a:fld>
             <a:endParaRPr lang="en-US"/>
           </a:p>
@@ -1608,7 +1608,7 @@
           <a:p>
             <a:fld id="{E3FF52FC-9330-DE4B-8604-B633724EED49}" type="datetimeFigureOut">
               <a:rPr lang="en-US" smtClean="0"/>
-              <a:t>8/19/21</a:t>
+              <a:t>9/9/21</a:t>
             </a:fld>
             <a:endParaRPr lang="en-US"/>
           </a:p>
@@ -1726,7 +1726,7 @@
           <a:p>
             <a:fld id="{E3FF52FC-9330-DE4B-8604-B633724EED49}" type="datetimeFigureOut">
               <a:rPr lang="en-US" smtClean="0"/>
-              <a:t>8/19/21</a:t>
+              <a:t>9/9/21</a:t>
             </a:fld>
             <a:endParaRPr lang="en-US"/>
           </a:p>
@@ -1821,7 +1821,7 @@
           <a:p>
             <a:fld id="{E3FF52FC-9330-DE4B-8604-B633724EED49}" type="datetimeFigureOut">
               <a:rPr lang="en-US" smtClean="0"/>
-              <a:t>8/19/21</a:t>
+              <a:t>9/9/21</a:t>
             </a:fld>
             <a:endParaRPr lang="en-US"/>
           </a:p>
@@ -2098,7 +2098,7 @@
           <a:p>
             <a:fld id="{E3FF52FC-9330-DE4B-8604-B633724EED49}" type="datetimeFigureOut">
               <a:rPr lang="en-US" smtClean="0"/>
-              <a:t>8/19/21</a:t>
+              <a:t>9/9/21</a:t>
             </a:fld>
             <a:endParaRPr lang="en-US"/>
           </a:p>
@@ -2355,7 +2355,7 @@
           <a:p>
             <a:fld id="{E3FF52FC-9330-DE4B-8604-B633724EED49}" type="datetimeFigureOut">
               <a:rPr lang="en-US" smtClean="0"/>
-              <a:t>8/19/21</a:t>
+              <a:t>9/9/21</a:t>
             </a:fld>
             <a:endParaRPr lang="en-US"/>
           </a:p>
@@ -2568,7 +2568,7 @@
           <a:p>
             <a:fld id="{E3FF52FC-9330-DE4B-8604-B633724EED49}" type="datetimeFigureOut">
               <a:rPr lang="en-US" smtClean="0"/>
-              <a:t>8/19/21</a:t>
+              <a:t>9/9/21</a:t>
             </a:fld>
             <a:endParaRPr lang="en-US"/>
           </a:p>
@@ -2973,89 +2973,109 @@
           <a:chExt cx="0" cy="0"/>
         </a:xfrm>
       </p:grpSpPr>
-      <p:pic>
-        <p:nvPicPr>
-          <p:cNvPr id="15" name="Picture 14">
+      <p:grpSp>
+        <p:nvGrpSpPr>
+          <p:cNvPr id="8" name="Group 7">
             <a:extLst>
               <a:ext uri="{FF2B5EF4-FFF2-40B4-BE49-F238E27FC236}">
-                <a16:creationId xmlns:a16="http://schemas.microsoft.com/office/drawing/2014/main" id="{CC662644-E8C6-FA47-99EC-917518CF066F}"/>
+                <a16:creationId xmlns:a16="http://schemas.microsoft.com/office/drawing/2014/main" id="{BB01B0AB-AF04-AA48-9787-855672C4F5AD}"/>
               </a:ext>
             </a:extLst>
           </p:cNvPr>
-          <p:cNvPicPr>
-            <a:picLocks noChangeAspect="1"/>
-          </p:cNvPicPr>
+          <p:cNvGrpSpPr/>
           <p:nvPr/>
-        </p:nvPicPr>
-        <p:blipFill>
-          <a:blip r:embed="rId2"/>
-          <a:stretch>
-            <a:fillRect/>
-          </a:stretch>
-        </p:blipFill>
-        <p:spPr>
+        </p:nvGrpSpPr>
+        <p:grpSpPr>
           <a:xfrm>
-            <a:off x="9042150" y="0"/>
-            <a:ext cx="5012518" cy="8686800"/>
+            <a:off x="8822268" y="0"/>
+            <a:ext cx="5164667" cy="8686800"/>
+            <a:chOff x="9008533" y="0"/>
+            <a:chExt cx="5164667" cy="8686800"/>
           </a:xfrm>
-          <a:prstGeom prst="rect">
-            <a:avLst/>
-          </a:prstGeom>
-        </p:spPr>
-      </p:pic>
-      <p:sp>
-        <p:nvSpPr>
-          <p:cNvPr id="2" name="Rectangle 1">
-            <a:extLst>
-              <a:ext uri="{FF2B5EF4-FFF2-40B4-BE49-F238E27FC236}">
-                <a16:creationId xmlns:a16="http://schemas.microsoft.com/office/drawing/2014/main" id="{27D2FD19-A802-B541-BB94-6594DA9E3F53}"/>
-              </a:ext>
-            </a:extLst>
-          </p:cNvPr>
-          <p:cNvSpPr/>
-          <p:nvPr/>
-        </p:nvSpPr>
-        <p:spPr>
-          <a:xfrm>
-            <a:off x="11789478" y="551432"/>
-            <a:ext cx="732916" cy="7832171"/>
-          </a:xfrm>
-          <a:prstGeom prst="rect">
-            <a:avLst/>
-          </a:prstGeom>
-          <a:noFill/>
-          <a:ln w="19050">
-            <a:solidFill>
-              <a:srgbClr val="C00000"/>
-            </a:solidFill>
-            <a:prstDash val="dash"/>
-          </a:ln>
-        </p:spPr>
-        <p:style>
-          <a:lnRef idx="2">
-            <a:schemeClr val="accent1">
-              <a:shade val="50000"/>
-            </a:schemeClr>
-          </a:lnRef>
-          <a:fillRef idx="1">
-            <a:schemeClr val="accent1"/>
-          </a:fillRef>
-          <a:effectRef idx="0">
-            <a:schemeClr val="accent1"/>
-          </a:effectRef>
-          <a:fontRef idx="minor">
-            <a:schemeClr val="lt1"/>
-          </a:fontRef>
-        </p:style>
-        <p:txBody>
-          <a:bodyPr rtlCol="0" anchor="ctr"/>
-          <a:lstStyle/>
-          <a:p>
-            <a:pPr algn="ctr"/>
-            <a:endParaRPr lang="en-US"/>
-          </a:p>
-        </p:txBody>
-      </p:sp>
+        </p:grpSpPr>
+        <p:pic>
+          <p:nvPicPr>
+            <p:cNvPr id="4" name="Picture 3">
+              <a:extLst>
+                <a:ext uri="{FF2B5EF4-FFF2-40B4-BE49-F238E27FC236}">
+                  <a16:creationId xmlns:a16="http://schemas.microsoft.com/office/drawing/2014/main" id="{A0218BBE-DB7F-9643-B09A-E7AE23921B3C}"/>
+                </a:ext>
+              </a:extLst>
+            </p:cNvPr>
+            <p:cNvPicPr>
+              <a:picLocks noChangeAspect="1"/>
+            </p:cNvPicPr>
+            <p:nvPr/>
+          </p:nvPicPr>
+          <p:blipFill rotWithShape="1">
+            <a:blip r:embed="rId2"/>
+            <a:srcRect l="1575"/>
+            <a:stretch/>
+          </p:blipFill>
+          <p:spPr>
+            <a:xfrm>
+              <a:off x="9008533" y="0"/>
+              <a:ext cx="5164667" cy="8686800"/>
+            </a:xfrm>
+            <a:prstGeom prst="rect">
+              <a:avLst/>
+            </a:prstGeom>
+          </p:spPr>
+        </p:pic>
+        <p:sp>
+          <p:nvSpPr>
+            <p:cNvPr id="2" name="Rectangle 1">
+              <a:extLst>
+                <a:ext uri="{FF2B5EF4-FFF2-40B4-BE49-F238E27FC236}">
+                  <a16:creationId xmlns:a16="http://schemas.microsoft.com/office/drawing/2014/main" id="{27D2FD19-A802-B541-BB94-6594DA9E3F53}"/>
+                </a:ext>
+              </a:extLst>
+            </p:cNvPr>
+            <p:cNvSpPr/>
+            <p:nvPr/>
+          </p:nvSpPr>
+          <p:spPr>
+            <a:xfrm>
+              <a:off x="11891078" y="528912"/>
+              <a:ext cx="732916" cy="7832171"/>
+            </a:xfrm>
+            <a:prstGeom prst="rect">
+              <a:avLst/>
+            </a:prstGeom>
+            <a:noFill/>
+            <a:ln w="19050">
+              <a:solidFill>
+                <a:srgbClr val="C00000"/>
+              </a:solidFill>
+              <a:prstDash val="dash"/>
+            </a:ln>
+          </p:spPr>
+          <p:style>
+            <a:lnRef idx="2">
+              <a:schemeClr val="accent1">
+                <a:shade val="50000"/>
+              </a:schemeClr>
+            </a:lnRef>
+            <a:fillRef idx="1">
+              <a:schemeClr val="accent1"/>
+            </a:fillRef>
+            <a:effectRef idx="0">
+              <a:schemeClr val="accent1"/>
+            </a:effectRef>
+            <a:fontRef idx="minor">
+              <a:schemeClr val="lt1"/>
+            </a:fontRef>
+          </p:style>
+          <p:txBody>
+            <a:bodyPr rtlCol="0" anchor="ctr"/>
+            <a:lstStyle/>
+            <a:p>
+              <a:pPr algn="ctr"/>
+              <a:endParaRPr lang="en-US"/>
+            </a:p>
+          </p:txBody>
+        </p:sp>
+      </p:grpSp>
       <p:pic>
         <p:nvPicPr>
           <p:cNvPr id="6" name="Picture 5">
@@ -3078,7 +3098,7 @@
         </p:blipFill>
         <p:spPr>
           <a:xfrm>
-            <a:off x="-32712" y="0"/>
+            <a:off x="0" y="0"/>
             <a:ext cx="8826500" cy="5041900"/>
           </a:xfrm>
           <a:prstGeom prst="rect">
@@ -3088,10 +3108,10 @@
       </p:pic>
       <p:pic>
         <p:nvPicPr>
-          <p:cNvPr id="17" name="Picture 16">
+          <p:cNvPr id="7" name="Picture 6">
             <a:extLst>
               <a:ext uri="{FF2B5EF4-FFF2-40B4-BE49-F238E27FC236}">
-                <a16:creationId xmlns:a16="http://schemas.microsoft.com/office/drawing/2014/main" id="{71D48E96-F1E9-C24B-9FB4-CA558CD7B853}"/>
+                <a16:creationId xmlns:a16="http://schemas.microsoft.com/office/drawing/2014/main" id="{6AD3524E-3E98-B74F-94F9-8E16AF498A04}"/>
               </a:ext>
             </a:extLst>
           </p:cNvPr>
@@ -3108,8 +3128,8 @@
         </p:blipFill>
         <p:spPr>
           <a:xfrm>
-            <a:off x="-32712" y="4965700"/>
-            <a:ext cx="9474200" cy="3721100"/>
+            <a:off x="0" y="4965700"/>
+            <a:ext cx="8763000" cy="3721100"/>
           </a:xfrm>
           <a:prstGeom prst="rect">
             <a:avLst/>
